--- a/CP_JAVA_Team 21 PPT.pptx
+++ b/CP_JAVA_Team 21 PPT.pptx
@@ -13,21 +13,21 @@
     <p:sldId id="4423" r:id="rId4"/>
     <p:sldId id="4424" r:id="rId5"/>
     <p:sldId id="4422" r:id="rId6"/>
-    <p:sldId id="4425" r:id="rId7"/>
+    <p:sldId id="4446" r:id="rId7"/>
     <p:sldId id="4458" r:id="rId8"/>
-    <p:sldId id="4446" r:id="rId9"/>
-    <p:sldId id="4455" r:id="rId10"/>
-    <p:sldId id="4456" r:id="rId11"/>
-    <p:sldId id="4426" r:id="rId12"/>
-    <p:sldId id="4444" r:id="rId13"/>
-    <p:sldId id="4445" r:id="rId14"/>
-    <p:sldId id="4428" r:id="rId15"/>
-    <p:sldId id="4452" r:id="rId16"/>
-    <p:sldId id="4440" r:id="rId17"/>
-    <p:sldId id="4439" r:id="rId18"/>
-    <p:sldId id="4441" r:id="rId19"/>
-    <p:sldId id="4442" r:id="rId20"/>
-    <p:sldId id="4429" r:id="rId21"/>
+    <p:sldId id="4444" r:id="rId9"/>
+    <p:sldId id="4445" r:id="rId10"/>
+    <p:sldId id="4429" r:id="rId11"/>
+    <p:sldId id="4425" r:id="rId12"/>
+    <p:sldId id="4455" r:id="rId13"/>
+    <p:sldId id="4456" r:id="rId14"/>
+    <p:sldId id="4426" r:id="rId15"/>
+    <p:sldId id="4428" r:id="rId16"/>
+    <p:sldId id="4452" r:id="rId17"/>
+    <p:sldId id="4440" r:id="rId18"/>
+    <p:sldId id="4439" r:id="rId19"/>
+    <p:sldId id="4441" r:id="rId20"/>
+    <p:sldId id="4442" r:id="rId21"/>
     <p:sldId id="4430" r:id="rId22"/>
     <p:sldId id="4431" r:id="rId23"/>
     <p:sldId id="4449" r:id="rId24"/>
@@ -228,7 +228,7 @@
           <a:p>
             <a:fld id="{64F83ABB-A641-41B3-815B-0BF716117969}" type="datetimeFigureOut">
               <a:rPr lang="en-US" smtClean="0"/>
-              <a:t>2/7/2026</a:t>
+              <a:t>2/10/2026</a:t>
             </a:fld>
             <a:endParaRPr lang="en-US"/>
           </a:p>
@@ -642,7 +642,7 @@
           <a:p>
             <a:fld id="{D66C86BF-26DF-47F2-BBA6-FB99F1E1025C}" type="datetimeFigureOut">
               <a:rPr lang="en-US" smtClean="0"/>
-              <a:t>2/7/2026</a:t>
+              <a:t>2/10/2026</a:t>
             </a:fld>
             <a:endParaRPr lang="en-US"/>
           </a:p>
@@ -840,7 +840,7 @@
           <a:p>
             <a:fld id="{D66C86BF-26DF-47F2-BBA6-FB99F1E1025C}" type="datetimeFigureOut">
               <a:rPr lang="en-US" smtClean="0"/>
-              <a:t>2/7/2026</a:t>
+              <a:t>2/10/2026</a:t>
             </a:fld>
             <a:endParaRPr lang="en-US"/>
           </a:p>
@@ -1048,7 +1048,7 @@
           <a:p>
             <a:fld id="{D66C86BF-26DF-47F2-BBA6-FB99F1E1025C}" type="datetimeFigureOut">
               <a:rPr lang="en-US" smtClean="0"/>
-              <a:t>2/7/2026</a:t>
+              <a:t>2/10/2026</a:t>
             </a:fld>
             <a:endParaRPr lang="en-US"/>
           </a:p>
@@ -1246,7 +1246,7 @@
           <a:p>
             <a:fld id="{D66C86BF-26DF-47F2-BBA6-FB99F1E1025C}" type="datetimeFigureOut">
               <a:rPr lang="en-US" smtClean="0"/>
-              <a:t>2/7/2026</a:t>
+              <a:t>2/10/2026</a:t>
             </a:fld>
             <a:endParaRPr lang="en-US"/>
           </a:p>
@@ -1521,7 +1521,7 @@
           <a:p>
             <a:fld id="{D66C86BF-26DF-47F2-BBA6-FB99F1E1025C}" type="datetimeFigureOut">
               <a:rPr lang="en-US" smtClean="0"/>
-              <a:t>2/7/2026</a:t>
+              <a:t>2/10/2026</a:t>
             </a:fld>
             <a:endParaRPr lang="en-US"/>
           </a:p>
@@ -1786,7 +1786,7 @@
           <a:p>
             <a:fld id="{D66C86BF-26DF-47F2-BBA6-FB99F1E1025C}" type="datetimeFigureOut">
               <a:rPr lang="en-US" smtClean="0"/>
-              <a:t>2/7/2026</a:t>
+              <a:t>2/10/2026</a:t>
             </a:fld>
             <a:endParaRPr lang="en-US"/>
           </a:p>
@@ -2198,7 +2198,7 @@
           <a:p>
             <a:fld id="{D66C86BF-26DF-47F2-BBA6-FB99F1E1025C}" type="datetimeFigureOut">
               <a:rPr lang="en-US" smtClean="0"/>
-              <a:t>2/7/2026</a:t>
+              <a:t>2/10/2026</a:t>
             </a:fld>
             <a:endParaRPr lang="en-US"/>
           </a:p>
@@ -2339,7 +2339,7 @@
           <a:p>
             <a:fld id="{D66C86BF-26DF-47F2-BBA6-FB99F1E1025C}" type="datetimeFigureOut">
               <a:rPr lang="en-US" smtClean="0"/>
-              <a:t>2/7/2026</a:t>
+              <a:t>2/10/2026</a:t>
             </a:fld>
             <a:endParaRPr lang="en-US"/>
           </a:p>
@@ -2452,7 +2452,7 @@
           <a:p>
             <a:fld id="{D66C86BF-26DF-47F2-BBA6-FB99F1E1025C}" type="datetimeFigureOut">
               <a:rPr lang="en-US" smtClean="0"/>
-              <a:t>2/7/2026</a:t>
+              <a:t>2/10/2026</a:t>
             </a:fld>
             <a:endParaRPr lang="en-US"/>
           </a:p>
@@ -2763,7 +2763,7 @@
           <a:p>
             <a:fld id="{D66C86BF-26DF-47F2-BBA6-FB99F1E1025C}" type="datetimeFigureOut">
               <a:rPr lang="en-US" smtClean="0"/>
-              <a:t>2/7/2026</a:t>
+              <a:t>2/10/2026</a:t>
             </a:fld>
             <a:endParaRPr lang="en-US"/>
           </a:p>
@@ -3051,7 +3051,7 @@
           <a:p>
             <a:fld id="{D66C86BF-26DF-47F2-BBA6-FB99F1E1025C}" type="datetimeFigureOut">
               <a:rPr lang="en-US" smtClean="0"/>
-              <a:t>2/7/2026</a:t>
+              <a:t>2/10/2026</a:t>
             </a:fld>
             <a:endParaRPr lang="en-US"/>
           </a:p>
@@ -3292,7 +3292,7 @@
           <a:p>
             <a:fld id="{D66C86BF-26DF-47F2-BBA6-FB99F1E1025C}" type="datetimeFigureOut">
               <a:rPr lang="en-US" smtClean="0"/>
-              <a:t>2/7/2026</a:t>
+              <a:t>2/10/2026</a:t>
             </a:fld>
             <a:endParaRPr lang="en-US"/>
           </a:p>
@@ -4078,6 +4078,1165 @@
         <p:cNvPr id="1" name="">
           <a:extLst>
             <a:ext uri="{FF2B5EF4-FFF2-40B4-BE49-F238E27FC236}">
+              <a16:creationId xmlns:a16="http://schemas.microsoft.com/office/drawing/2014/main" id="{08C274EA-ACFB-5388-3D1D-1181EB23BCD1}"/>
+            </a:ext>
+          </a:extLst>
+        </p:cNvPr>
+        <p:cNvGrpSpPr/>
+        <p:nvPr/>
+      </p:nvGrpSpPr>
+      <p:grpSpPr>
+        <a:xfrm>
+          <a:off x="0" y="0"/>
+          <a:ext cx="0" cy="0"/>
+          <a:chOff x="0" y="0"/>
+          <a:chExt cx="0" cy="0"/>
+        </a:xfrm>
+      </p:grpSpPr>
+      <p:sp>
+        <p:nvSpPr>
+          <p:cNvPr id="29" name="Rectangle 155">
+            <a:extLst>
+              <a:ext uri="{FF2B5EF4-FFF2-40B4-BE49-F238E27FC236}">
+                <a16:creationId xmlns:a16="http://schemas.microsoft.com/office/drawing/2014/main" id="{20A154E0-0E68-1CB4-72D3-410E379B7C17}"/>
+              </a:ext>
+            </a:extLst>
+          </p:cNvPr>
+          <p:cNvSpPr/>
+          <p:nvPr/>
+        </p:nvSpPr>
+        <p:spPr>
+          <a:xfrm>
+            <a:off x="834549" y="516275"/>
+            <a:ext cx="10102565" cy="553998"/>
+          </a:xfrm>
+          <a:prstGeom prst="rect">
+            <a:avLst/>
+          </a:prstGeom>
+        </p:spPr>
+        <p:txBody>
+          <a:bodyPr wrap="square" lIns="0" tIns="0" rIns="0" bIns="0">
+            <a:spAutoFit/>
+          </a:bodyPr>
+          <a:lstStyle/>
+          <a:p>
+            <a:pPr>
+              <a:spcBef>
+                <a:spcPct val="0"/>
+              </a:spcBef>
+            </a:pPr>
+            <a:r>
+              <a:rPr lang="en-US" sz="3600" b="1" dirty="0">
+                <a:solidFill>
+                  <a:srgbClr val="0187CC"/>
+                </a:solidFill>
+                <a:latin typeface="HK Grotesk Bold"/>
+              </a:rPr>
+              <a:t>Global Exception Handling </a:t>
+            </a:r>
+          </a:p>
+        </p:txBody>
+      </p:sp>
+      <p:pic>
+        <p:nvPicPr>
+          <p:cNvPr id="2" name="Picture 1" descr="Logo&#10;&#10;Description automatically generated">
+            <a:extLst>
+              <a:ext uri="{FF2B5EF4-FFF2-40B4-BE49-F238E27FC236}">
+                <a16:creationId xmlns:a16="http://schemas.microsoft.com/office/drawing/2014/main" id="{F622AFED-BECD-1ECE-8E43-5C286E8E08EB}"/>
+              </a:ext>
+            </a:extLst>
+          </p:cNvPr>
+          <p:cNvPicPr>
+            <a:picLocks noChangeAspect="1"/>
+          </p:cNvPicPr>
+          <p:nvPr/>
+        </p:nvPicPr>
+        <p:blipFill>
+          <a:blip r:embed="rId2">
+            <a:extLst>
+              <a:ext uri="{28A0092B-C50C-407E-A947-70E740481C1C}">
+                <a14:useLocalDpi xmlns:a14="http://schemas.microsoft.com/office/drawing/2010/main" val="0"/>
+              </a:ext>
+            </a:extLst>
+          </a:blip>
+          <a:stretch>
+            <a:fillRect/>
+          </a:stretch>
+        </p:blipFill>
+        <p:spPr>
+          <a:xfrm>
+            <a:off x="108630" y="6397884"/>
+            <a:ext cx="645766" cy="422937"/>
+          </a:xfrm>
+          <a:prstGeom prst="rect">
+            <a:avLst/>
+          </a:prstGeom>
+        </p:spPr>
+      </p:pic>
+      <p:sp>
+        <p:nvSpPr>
+          <p:cNvPr id="3" name="TextBox 5">
+            <a:extLst>
+              <a:ext uri="{FF2B5EF4-FFF2-40B4-BE49-F238E27FC236}">
+                <a16:creationId xmlns:a16="http://schemas.microsoft.com/office/drawing/2014/main" id="{BCA28780-8288-B4F3-4D4D-330CD9ACC044}"/>
+              </a:ext>
+            </a:extLst>
+          </p:cNvPr>
+          <p:cNvSpPr txBox="1"/>
+          <p:nvPr/>
+        </p:nvSpPr>
+        <p:spPr>
+          <a:xfrm>
+            <a:off x="4424757" y="6418579"/>
+            <a:ext cx="6259403" cy="240665"/>
+          </a:xfrm>
+          <a:prstGeom prst="rect">
+            <a:avLst/>
+          </a:prstGeom>
+        </p:spPr>
+        <p:txBody>
+          <a:bodyPr lIns="0" tIns="0" rIns="0" bIns="0" rtlCol="0" anchor="t">
+            <a:spAutoFit/>
+          </a:bodyPr>
+          <a:lstStyle/>
+          <a:p>
+            <a:pPr algn="r">
+              <a:lnSpc>
+                <a:spcPts val="1960"/>
+              </a:lnSpc>
+              <a:spcBef>
+                <a:spcPct val="0"/>
+              </a:spcBef>
+            </a:pPr>
+            <a:r>
+              <a:rPr lang="en-US" sz="1400" spc="140" dirty="0">
+                <a:solidFill>
+                  <a:srgbClr val="000000"/>
+                </a:solidFill>
+                <a:latin typeface="HK Grotesk Light"/>
+              </a:rPr>
+              <a:t>2024 - RPS Consulting all rights reserved</a:t>
+            </a:r>
+          </a:p>
+        </p:txBody>
+      </p:sp>
+      <p:sp>
+        <p:nvSpPr>
+          <p:cNvPr id="6" name="Slide Number Placeholder 5">
+            <a:extLst>
+              <a:ext uri="{FF2B5EF4-FFF2-40B4-BE49-F238E27FC236}">
+                <a16:creationId xmlns:a16="http://schemas.microsoft.com/office/drawing/2014/main" id="{AB72A8EA-B1A6-E89C-D720-FCB1EEAD6522}"/>
+              </a:ext>
+            </a:extLst>
+          </p:cNvPr>
+          <p:cNvSpPr>
+            <a:spLocks noGrp="1"/>
+          </p:cNvSpPr>
+          <p:nvPr>
+            <p:ph type="sldNum" sz="quarter" idx="12"/>
+          </p:nvPr>
+        </p:nvSpPr>
+        <p:spPr/>
+        <p:txBody>
+          <a:bodyPr/>
+          <a:lstStyle/>
+          <a:p>
+            <a:fld id="{C8F35010-364B-470B-BB6C-DCBBE63D2E54}" type="slidenum">
+              <a:rPr lang="en-US" smtClean="0">
+                <a:solidFill>
+                  <a:schemeClr val="tx1"/>
+                </a:solidFill>
+              </a:rPr>
+              <a:t>10</a:t>
+            </a:fld>
+            <a:endParaRPr lang="en-US" dirty="0">
+              <a:solidFill>
+                <a:schemeClr val="tx1"/>
+              </a:solidFill>
+            </a:endParaRPr>
+          </a:p>
+        </p:txBody>
+      </p:sp>
+      <p:sp>
+        <p:nvSpPr>
+          <p:cNvPr id="4" name="TextBox 3">
+            <a:extLst>
+              <a:ext uri="{FF2B5EF4-FFF2-40B4-BE49-F238E27FC236}">
+                <a16:creationId xmlns:a16="http://schemas.microsoft.com/office/drawing/2014/main" id="{ADC2F2FE-E86D-3EB9-82CA-E75D2A3BC1F9}"/>
+              </a:ext>
+            </a:extLst>
+          </p:cNvPr>
+          <p:cNvSpPr txBox="1"/>
+          <p:nvPr/>
+        </p:nvSpPr>
+        <p:spPr>
+          <a:xfrm>
+            <a:off x="994969" y="1370617"/>
+            <a:ext cx="5019751" cy="3539430"/>
+          </a:xfrm>
+          <a:prstGeom prst="rect">
+            <a:avLst/>
+          </a:prstGeom>
+          <a:noFill/>
+        </p:spPr>
+        <p:txBody>
+          <a:bodyPr wrap="square" rtlCol="0">
+            <a:spAutoFit/>
+          </a:bodyPr>
+          <a:lstStyle>
+            <a:defPPr>
+              <a:defRPr lang="en-US"/>
+            </a:defPPr>
+            <a:lvl1pPr marL="0" algn="l" defTabSz="914400" rtl="0" eaLnBrk="1" latinLnBrk="0" hangingPunct="1">
+              <a:defRPr sz="1800" kern="1200">
+                <a:solidFill>
+                  <a:schemeClr val="tx1"/>
+                </a:solidFill>
+                <a:latin typeface="+mn-lt"/>
+                <a:ea typeface="+mn-ea"/>
+                <a:cs typeface="+mn-cs"/>
+              </a:defRPr>
+            </a:lvl1pPr>
+            <a:lvl2pPr marL="457200" algn="l" defTabSz="914400" rtl="0" eaLnBrk="1" latinLnBrk="0" hangingPunct="1">
+              <a:defRPr sz="1800" kern="1200">
+                <a:solidFill>
+                  <a:schemeClr val="tx1"/>
+                </a:solidFill>
+                <a:latin typeface="+mn-lt"/>
+                <a:ea typeface="+mn-ea"/>
+                <a:cs typeface="+mn-cs"/>
+              </a:defRPr>
+            </a:lvl2pPr>
+            <a:lvl3pPr marL="914400" algn="l" defTabSz="914400" rtl="0" eaLnBrk="1" latinLnBrk="0" hangingPunct="1">
+              <a:defRPr sz="1800" kern="1200">
+                <a:solidFill>
+                  <a:schemeClr val="tx1"/>
+                </a:solidFill>
+                <a:latin typeface="+mn-lt"/>
+                <a:ea typeface="+mn-ea"/>
+                <a:cs typeface="+mn-cs"/>
+              </a:defRPr>
+            </a:lvl3pPr>
+            <a:lvl4pPr marL="1371600" algn="l" defTabSz="914400" rtl="0" eaLnBrk="1" latinLnBrk="0" hangingPunct="1">
+              <a:defRPr sz="1800" kern="1200">
+                <a:solidFill>
+                  <a:schemeClr val="tx1"/>
+                </a:solidFill>
+                <a:latin typeface="+mn-lt"/>
+                <a:ea typeface="+mn-ea"/>
+                <a:cs typeface="+mn-cs"/>
+              </a:defRPr>
+            </a:lvl4pPr>
+            <a:lvl5pPr marL="1828800" algn="l" defTabSz="914400" rtl="0" eaLnBrk="1" latinLnBrk="0" hangingPunct="1">
+              <a:defRPr sz="1800" kern="1200">
+                <a:solidFill>
+                  <a:schemeClr val="tx1"/>
+                </a:solidFill>
+                <a:latin typeface="+mn-lt"/>
+                <a:ea typeface="+mn-ea"/>
+                <a:cs typeface="+mn-cs"/>
+              </a:defRPr>
+            </a:lvl5pPr>
+            <a:lvl6pPr marL="2286000" algn="l" defTabSz="914400" rtl="0" eaLnBrk="1" latinLnBrk="0" hangingPunct="1">
+              <a:defRPr sz="1800" kern="1200">
+                <a:solidFill>
+                  <a:schemeClr val="tx1"/>
+                </a:solidFill>
+                <a:latin typeface="+mn-lt"/>
+                <a:ea typeface="+mn-ea"/>
+                <a:cs typeface="+mn-cs"/>
+              </a:defRPr>
+            </a:lvl6pPr>
+            <a:lvl7pPr marL="2743200" algn="l" defTabSz="914400" rtl="0" eaLnBrk="1" latinLnBrk="0" hangingPunct="1">
+              <a:defRPr sz="1800" kern="1200">
+                <a:solidFill>
+                  <a:schemeClr val="tx1"/>
+                </a:solidFill>
+                <a:latin typeface="+mn-lt"/>
+                <a:ea typeface="+mn-ea"/>
+                <a:cs typeface="+mn-cs"/>
+              </a:defRPr>
+            </a:lvl7pPr>
+            <a:lvl8pPr marL="3200400" algn="l" defTabSz="914400" rtl="0" eaLnBrk="1" latinLnBrk="0" hangingPunct="1">
+              <a:defRPr sz="1800" kern="1200">
+                <a:solidFill>
+                  <a:schemeClr val="tx1"/>
+                </a:solidFill>
+                <a:latin typeface="+mn-lt"/>
+                <a:ea typeface="+mn-ea"/>
+                <a:cs typeface="+mn-cs"/>
+              </a:defRPr>
+            </a:lvl8pPr>
+            <a:lvl9pPr marL="3657600" algn="l" defTabSz="914400" rtl="0" eaLnBrk="1" latinLnBrk="0" hangingPunct="1">
+              <a:defRPr sz="1800" kern="1200">
+                <a:solidFill>
+                  <a:schemeClr val="tx1"/>
+                </a:solidFill>
+                <a:latin typeface="+mn-lt"/>
+                <a:ea typeface="+mn-ea"/>
+                <a:cs typeface="+mn-cs"/>
+              </a:defRPr>
+            </a:lvl9pPr>
+          </a:lstStyle>
+          <a:p>
+            <a:pPr marL="457200" lvl="0" indent="-457200">
+              <a:buFont typeface="Arial" panose="020B0604020202020204" pitchFamily="34" charset="0"/>
+              <a:buChar char="•"/>
+            </a:pPr>
+            <a:r>
+              <a:rPr lang="en-IN" sz="2800" dirty="0"/>
+              <a:t>Implemented using @ControllerAdvice</a:t>
+            </a:r>
+          </a:p>
+          <a:p>
+            <a:pPr marL="457200" lvl="0" indent="-457200">
+              <a:buFont typeface="Arial" panose="020B0604020202020204" pitchFamily="34" charset="0"/>
+              <a:buChar char="•"/>
+            </a:pPr>
+            <a:r>
+              <a:rPr lang="en-IN" sz="2800" dirty="0"/>
+              <a:t>Handles exceptions globally</a:t>
+            </a:r>
+          </a:p>
+          <a:p>
+            <a:pPr marL="457200" lvl="0" indent="-457200">
+              <a:buFont typeface="Arial" panose="020B0604020202020204" pitchFamily="34" charset="0"/>
+              <a:buChar char="•"/>
+            </a:pPr>
+            <a:r>
+              <a:rPr lang="en-IN" sz="2800" dirty="0"/>
+              <a:t>Provides meaningful error messages</a:t>
+            </a:r>
+          </a:p>
+          <a:p>
+            <a:pPr marL="457200" lvl="0" indent="-457200">
+              <a:buFont typeface="Arial" panose="020B0604020202020204" pitchFamily="34" charset="0"/>
+              <a:buChar char="•"/>
+            </a:pPr>
+            <a:r>
+              <a:rPr lang="en-IN" sz="2800" dirty="0"/>
+              <a:t>Prevents application crash</a:t>
+            </a:r>
+          </a:p>
+          <a:p>
+            <a:pPr marL="457200" lvl="0" indent="-457200">
+              <a:buFont typeface="Arial" panose="020B0604020202020204" pitchFamily="34" charset="0"/>
+              <a:buChar char="•"/>
+            </a:pPr>
+            <a:r>
+              <a:rPr lang="en-IN" sz="2800" dirty="0"/>
+              <a:t>Improves backend reliability and maintainability</a:t>
+            </a:r>
+          </a:p>
+        </p:txBody>
+      </p:sp>
+      <p:pic>
+        <p:nvPicPr>
+          <p:cNvPr id="7" name="Picture 6">
+            <a:extLst>
+              <a:ext uri="{FF2B5EF4-FFF2-40B4-BE49-F238E27FC236}">
+                <a16:creationId xmlns:a16="http://schemas.microsoft.com/office/drawing/2014/main" id="{5978B520-4048-8B25-3845-761D21FD3E72}"/>
+              </a:ext>
+            </a:extLst>
+          </p:cNvPr>
+          <p:cNvPicPr>
+            <a:picLocks noChangeAspect="1"/>
+          </p:cNvPicPr>
+          <p:nvPr/>
+        </p:nvPicPr>
+        <p:blipFill>
+          <a:blip r:embed="rId3">
+            <a:extLst>
+              <a:ext uri="{28A0092B-C50C-407E-A947-70E740481C1C}">
+                <a14:useLocalDpi xmlns:a14="http://schemas.microsoft.com/office/drawing/2010/main" val="0"/>
+              </a:ext>
+            </a:extLst>
+          </a:blip>
+          <a:srcRect l="4088" t="3460" r="4795" b="5975"/>
+          <a:stretch>
+            <a:fillRect/>
+          </a:stretch>
+        </p:blipFill>
+        <p:spPr>
+          <a:xfrm>
+            <a:off x="6461760" y="1503680"/>
+            <a:ext cx="4826000" cy="2926080"/>
+          </a:xfrm>
+          <a:prstGeom prst="rect">
+            <a:avLst/>
+          </a:prstGeom>
+        </p:spPr>
+      </p:pic>
+    </p:spTree>
+    <p:extLst>
+      <p:ext uri="{BB962C8B-B14F-4D97-AF65-F5344CB8AC3E}">
+        <p14:creationId xmlns:p14="http://schemas.microsoft.com/office/powerpoint/2010/main" val="753188705"/>
+      </p:ext>
+    </p:extLst>
+  </p:cSld>
+  <p:clrMapOvr>
+    <a:masterClrMapping/>
+  </p:clrMapOvr>
+</p:sld>
+</file>
+
+<file path=ppt/slides/slide11.xml><?xml version="1.0" encoding="utf-8"?>
+<p:sld xmlns:a="http://schemas.openxmlformats.org/drawingml/2006/main" xmlns:r="http://schemas.openxmlformats.org/officeDocument/2006/relationships" xmlns:p="http://schemas.openxmlformats.org/presentationml/2006/main">
+  <p:cSld>
+    <p:spTree>
+      <p:nvGrpSpPr>
+        <p:cNvPr id="1" name="">
+          <a:extLst>
+            <a:ext uri="{FF2B5EF4-FFF2-40B4-BE49-F238E27FC236}">
+              <a16:creationId xmlns:a16="http://schemas.microsoft.com/office/drawing/2014/main" id="{17622F59-3513-F709-75D4-4A372F99EC67}"/>
+            </a:ext>
+          </a:extLst>
+        </p:cNvPr>
+        <p:cNvGrpSpPr/>
+        <p:nvPr/>
+      </p:nvGrpSpPr>
+      <p:grpSpPr>
+        <a:xfrm>
+          <a:off x="0" y="0"/>
+          <a:ext cx="0" cy="0"/>
+          <a:chOff x="0" y="0"/>
+          <a:chExt cx="0" cy="0"/>
+        </a:xfrm>
+      </p:grpSpPr>
+      <p:sp>
+        <p:nvSpPr>
+          <p:cNvPr id="29" name="Rectangle 155">
+            <a:extLst>
+              <a:ext uri="{FF2B5EF4-FFF2-40B4-BE49-F238E27FC236}">
+                <a16:creationId xmlns:a16="http://schemas.microsoft.com/office/drawing/2014/main" id="{C16B8CFA-75AD-C948-F558-D94CDC8B074A}"/>
+              </a:ext>
+            </a:extLst>
+          </p:cNvPr>
+          <p:cNvSpPr/>
+          <p:nvPr/>
+        </p:nvSpPr>
+        <p:spPr>
+          <a:xfrm>
+            <a:off x="722253" y="484191"/>
+            <a:ext cx="10102565" cy="553998"/>
+          </a:xfrm>
+          <a:prstGeom prst="rect">
+            <a:avLst/>
+          </a:prstGeom>
+        </p:spPr>
+        <p:txBody>
+          <a:bodyPr wrap="square" lIns="0" tIns="0" rIns="0" bIns="0">
+            <a:spAutoFit/>
+          </a:bodyPr>
+          <a:lstStyle/>
+          <a:p>
+            <a:pPr>
+              <a:spcBef>
+                <a:spcPct val="0"/>
+              </a:spcBef>
+            </a:pPr>
+            <a:r>
+              <a:rPr lang="en-US" sz="3600" b="1" dirty="0">
+                <a:solidFill>
+                  <a:srgbClr val="0187CC"/>
+                </a:solidFill>
+                <a:latin typeface="HK Grotesk Bold"/>
+              </a:rPr>
+              <a:t>Frontend Implementation</a:t>
+            </a:r>
+          </a:p>
+        </p:txBody>
+      </p:sp>
+      <p:pic>
+        <p:nvPicPr>
+          <p:cNvPr id="2" name="Picture 1" descr="Logo&#10;&#10;Description automatically generated">
+            <a:extLst>
+              <a:ext uri="{FF2B5EF4-FFF2-40B4-BE49-F238E27FC236}">
+                <a16:creationId xmlns:a16="http://schemas.microsoft.com/office/drawing/2014/main" id="{1BF30C1A-3399-73B9-412D-F32FEAD465D8}"/>
+              </a:ext>
+            </a:extLst>
+          </p:cNvPr>
+          <p:cNvPicPr>
+            <a:picLocks noChangeAspect="1"/>
+          </p:cNvPicPr>
+          <p:nvPr/>
+        </p:nvPicPr>
+        <p:blipFill>
+          <a:blip r:embed="rId2">
+            <a:extLst>
+              <a:ext uri="{28A0092B-C50C-407E-A947-70E740481C1C}">
+                <a14:useLocalDpi xmlns:a14="http://schemas.microsoft.com/office/drawing/2010/main" val="0"/>
+              </a:ext>
+            </a:extLst>
+          </a:blip>
+          <a:stretch>
+            <a:fillRect/>
+          </a:stretch>
+        </p:blipFill>
+        <p:spPr>
+          <a:xfrm>
+            <a:off x="108630" y="6397884"/>
+            <a:ext cx="645766" cy="422937"/>
+          </a:xfrm>
+          <a:prstGeom prst="rect">
+            <a:avLst/>
+          </a:prstGeom>
+        </p:spPr>
+      </p:pic>
+      <p:sp>
+        <p:nvSpPr>
+          <p:cNvPr id="3" name="TextBox 5">
+            <a:extLst>
+              <a:ext uri="{FF2B5EF4-FFF2-40B4-BE49-F238E27FC236}">
+                <a16:creationId xmlns:a16="http://schemas.microsoft.com/office/drawing/2014/main" id="{5E654D44-2C57-B42C-5EFD-2B535114383D}"/>
+              </a:ext>
+            </a:extLst>
+          </p:cNvPr>
+          <p:cNvSpPr txBox="1"/>
+          <p:nvPr/>
+        </p:nvSpPr>
+        <p:spPr>
+          <a:xfrm>
+            <a:off x="4424757" y="6418579"/>
+            <a:ext cx="6259403" cy="240665"/>
+          </a:xfrm>
+          <a:prstGeom prst="rect">
+            <a:avLst/>
+          </a:prstGeom>
+        </p:spPr>
+        <p:txBody>
+          <a:bodyPr lIns="0" tIns="0" rIns="0" bIns="0" rtlCol="0" anchor="t">
+            <a:spAutoFit/>
+          </a:bodyPr>
+          <a:lstStyle/>
+          <a:p>
+            <a:pPr algn="r">
+              <a:lnSpc>
+                <a:spcPts val="1960"/>
+              </a:lnSpc>
+              <a:spcBef>
+                <a:spcPct val="0"/>
+              </a:spcBef>
+            </a:pPr>
+            <a:r>
+              <a:rPr lang="en-US" sz="1400" spc="140" dirty="0">
+                <a:solidFill>
+                  <a:srgbClr val="000000"/>
+                </a:solidFill>
+                <a:latin typeface="HK Grotesk Light"/>
+              </a:rPr>
+              <a:t>2024 - RPS Consulting all rights reserved</a:t>
+            </a:r>
+          </a:p>
+        </p:txBody>
+      </p:sp>
+      <p:sp>
+        <p:nvSpPr>
+          <p:cNvPr id="6" name="Slide Number Placeholder 5">
+            <a:extLst>
+              <a:ext uri="{FF2B5EF4-FFF2-40B4-BE49-F238E27FC236}">
+                <a16:creationId xmlns:a16="http://schemas.microsoft.com/office/drawing/2014/main" id="{8D490440-F5BA-2004-8132-73A6F866BBE8}"/>
+              </a:ext>
+            </a:extLst>
+          </p:cNvPr>
+          <p:cNvSpPr>
+            <a:spLocks noGrp="1"/>
+          </p:cNvSpPr>
+          <p:nvPr>
+            <p:ph type="sldNum" sz="quarter" idx="12"/>
+          </p:nvPr>
+        </p:nvSpPr>
+        <p:spPr/>
+        <p:txBody>
+          <a:bodyPr/>
+          <a:lstStyle/>
+          <a:p>
+            <a:fld id="{C8F35010-364B-470B-BB6C-DCBBE63D2E54}" type="slidenum">
+              <a:rPr lang="en-US" smtClean="0">
+                <a:solidFill>
+                  <a:schemeClr val="tx1"/>
+                </a:solidFill>
+              </a:rPr>
+              <a:t>11</a:t>
+            </a:fld>
+            <a:endParaRPr lang="en-US" dirty="0">
+              <a:solidFill>
+                <a:schemeClr val="tx1"/>
+              </a:solidFill>
+            </a:endParaRPr>
+          </a:p>
+        </p:txBody>
+      </p:sp>
+      <p:sp>
+        <p:nvSpPr>
+          <p:cNvPr id="4" name="TextBox 3">
+            <a:extLst>
+              <a:ext uri="{FF2B5EF4-FFF2-40B4-BE49-F238E27FC236}">
+                <a16:creationId xmlns:a16="http://schemas.microsoft.com/office/drawing/2014/main" id="{50864C3D-EFFA-BCF2-5018-AFD1C1A9222C}"/>
+              </a:ext>
+            </a:extLst>
+          </p:cNvPr>
+          <p:cNvSpPr txBox="1"/>
+          <p:nvPr/>
+        </p:nvSpPr>
+        <p:spPr>
+          <a:xfrm>
+            <a:off x="834547" y="1386658"/>
+            <a:ext cx="9528651" cy="2677656"/>
+          </a:xfrm>
+          <a:prstGeom prst="rect">
+            <a:avLst/>
+          </a:prstGeom>
+          <a:noFill/>
+        </p:spPr>
+        <p:txBody>
+          <a:bodyPr wrap="square" rtlCol="0">
+            <a:spAutoFit/>
+          </a:bodyPr>
+          <a:lstStyle>
+            <a:defPPr>
+              <a:defRPr lang="en-US"/>
+            </a:defPPr>
+            <a:lvl1pPr marL="0" algn="l" defTabSz="914400" rtl="0" eaLnBrk="1" latinLnBrk="0" hangingPunct="1">
+              <a:defRPr sz="1800" kern="1200">
+                <a:solidFill>
+                  <a:schemeClr val="tx1"/>
+                </a:solidFill>
+                <a:latin typeface="+mn-lt"/>
+                <a:ea typeface="+mn-ea"/>
+                <a:cs typeface="+mn-cs"/>
+              </a:defRPr>
+            </a:lvl1pPr>
+            <a:lvl2pPr marL="457200" algn="l" defTabSz="914400" rtl="0" eaLnBrk="1" latinLnBrk="0" hangingPunct="1">
+              <a:defRPr sz="1800" kern="1200">
+                <a:solidFill>
+                  <a:schemeClr val="tx1"/>
+                </a:solidFill>
+                <a:latin typeface="+mn-lt"/>
+                <a:ea typeface="+mn-ea"/>
+                <a:cs typeface="+mn-cs"/>
+              </a:defRPr>
+            </a:lvl2pPr>
+            <a:lvl3pPr marL="914400" algn="l" defTabSz="914400" rtl="0" eaLnBrk="1" latinLnBrk="0" hangingPunct="1">
+              <a:defRPr sz="1800" kern="1200">
+                <a:solidFill>
+                  <a:schemeClr val="tx1"/>
+                </a:solidFill>
+                <a:latin typeface="+mn-lt"/>
+                <a:ea typeface="+mn-ea"/>
+                <a:cs typeface="+mn-cs"/>
+              </a:defRPr>
+            </a:lvl3pPr>
+            <a:lvl4pPr marL="1371600" algn="l" defTabSz="914400" rtl="0" eaLnBrk="1" latinLnBrk="0" hangingPunct="1">
+              <a:defRPr sz="1800" kern="1200">
+                <a:solidFill>
+                  <a:schemeClr val="tx1"/>
+                </a:solidFill>
+                <a:latin typeface="+mn-lt"/>
+                <a:ea typeface="+mn-ea"/>
+                <a:cs typeface="+mn-cs"/>
+              </a:defRPr>
+            </a:lvl4pPr>
+            <a:lvl5pPr marL="1828800" algn="l" defTabSz="914400" rtl="0" eaLnBrk="1" latinLnBrk="0" hangingPunct="1">
+              <a:defRPr sz="1800" kern="1200">
+                <a:solidFill>
+                  <a:schemeClr val="tx1"/>
+                </a:solidFill>
+                <a:latin typeface="+mn-lt"/>
+                <a:ea typeface="+mn-ea"/>
+                <a:cs typeface="+mn-cs"/>
+              </a:defRPr>
+            </a:lvl5pPr>
+            <a:lvl6pPr marL="2286000" algn="l" defTabSz="914400" rtl="0" eaLnBrk="1" latinLnBrk="0" hangingPunct="1">
+              <a:defRPr sz="1800" kern="1200">
+                <a:solidFill>
+                  <a:schemeClr val="tx1"/>
+                </a:solidFill>
+                <a:latin typeface="+mn-lt"/>
+                <a:ea typeface="+mn-ea"/>
+                <a:cs typeface="+mn-cs"/>
+              </a:defRPr>
+            </a:lvl6pPr>
+            <a:lvl7pPr marL="2743200" algn="l" defTabSz="914400" rtl="0" eaLnBrk="1" latinLnBrk="0" hangingPunct="1">
+              <a:defRPr sz="1800" kern="1200">
+                <a:solidFill>
+                  <a:schemeClr val="tx1"/>
+                </a:solidFill>
+                <a:latin typeface="+mn-lt"/>
+                <a:ea typeface="+mn-ea"/>
+                <a:cs typeface="+mn-cs"/>
+              </a:defRPr>
+            </a:lvl7pPr>
+            <a:lvl8pPr marL="3200400" algn="l" defTabSz="914400" rtl="0" eaLnBrk="1" latinLnBrk="0" hangingPunct="1">
+              <a:defRPr sz="1800" kern="1200">
+                <a:solidFill>
+                  <a:schemeClr val="tx1"/>
+                </a:solidFill>
+                <a:latin typeface="+mn-lt"/>
+                <a:ea typeface="+mn-ea"/>
+                <a:cs typeface="+mn-cs"/>
+              </a:defRPr>
+            </a:lvl8pPr>
+            <a:lvl9pPr marL="3657600" algn="l" defTabSz="914400" rtl="0" eaLnBrk="1" latinLnBrk="0" hangingPunct="1">
+              <a:defRPr sz="1800" kern="1200">
+                <a:solidFill>
+                  <a:schemeClr val="tx1"/>
+                </a:solidFill>
+                <a:latin typeface="+mn-lt"/>
+                <a:ea typeface="+mn-ea"/>
+                <a:cs typeface="+mn-cs"/>
+              </a:defRPr>
+            </a:lvl9pPr>
+          </a:lstStyle>
+          <a:p>
+            <a:pPr marL="457200" lvl="0" indent="-457200">
+              <a:buFont typeface="Arial" panose="020B0604020202020204" pitchFamily="34" charset="0"/>
+              <a:buChar char="•"/>
+            </a:pPr>
+            <a:r>
+              <a:rPr lang="en-IN" sz="2800" dirty="0"/>
+              <a:t>Developed using Angular</a:t>
+            </a:r>
+          </a:p>
+          <a:p>
+            <a:pPr marL="457200" lvl="0" indent="-457200">
+              <a:buFont typeface="Arial" panose="020B0604020202020204" pitchFamily="34" charset="0"/>
+              <a:buChar char="•"/>
+            </a:pPr>
+            <a:r>
+              <a:rPr lang="en-IN" sz="2800" dirty="0"/>
+              <a:t>Responsive UI with clean layout</a:t>
+            </a:r>
+          </a:p>
+          <a:p>
+            <a:pPr marL="457200" lvl="0" indent="-457200">
+              <a:buFont typeface="Arial" panose="020B0604020202020204" pitchFamily="34" charset="0"/>
+              <a:buChar char="•"/>
+            </a:pPr>
+            <a:r>
+              <a:rPr lang="en-IN" sz="2800" dirty="0"/>
+              <a:t>Forms for task creation and update</a:t>
+            </a:r>
+          </a:p>
+          <a:p>
+            <a:pPr marL="457200" lvl="0" indent="-457200">
+              <a:buFont typeface="Arial" panose="020B0604020202020204" pitchFamily="34" charset="0"/>
+              <a:buChar char="•"/>
+            </a:pPr>
+            <a:r>
+              <a:rPr lang="en-IN" sz="2800" dirty="0"/>
+              <a:t>Filters for task status</a:t>
+            </a:r>
+          </a:p>
+          <a:p>
+            <a:pPr marL="457200" lvl="0" indent="-457200">
+              <a:buFont typeface="Arial" panose="020B0604020202020204" pitchFamily="34" charset="0"/>
+              <a:buChar char="•"/>
+            </a:pPr>
+            <a:r>
+              <a:rPr lang="en-IN" sz="2800" dirty="0"/>
+              <a:t>Theme toggle (Light / Dark mode)</a:t>
+            </a:r>
+          </a:p>
+          <a:p>
+            <a:pPr marL="457200" lvl="0" indent="-457200">
+              <a:buFont typeface="Arial" panose="020B0604020202020204" pitchFamily="34" charset="0"/>
+              <a:buChar char="•"/>
+            </a:pPr>
+            <a:r>
+              <a:rPr lang="en-IN" sz="2800" dirty="0"/>
+              <a:t>Communicates with backend using </a:t>
+            </a:r>
+            <a:r>
+              <a:rPr lang="en-IN" sz="2800" dirty="0" err="1"/>
+              <a:t>HttpClient</a:t>
+            </a:r>
+            <a:endParaRPr lang="en-IN" sz="2800" dirty="0"/>
+          </a:p>
+        </p:txBody>
+      </p:sp>
+    </p:spTree>
+    <p:extLst>
+      <p:ext uri="{BB962C8B-B14F-4D97-AF65-F5344CB8AC3E}">
+        <p14:creationId xmlns:p14="http://schemas.microsoft.com/office/powerpoint/2010/main" val="3454202031"/>
+      </p:ext>
+    </p:extLst>
+  </p:cSld>
+  <p:clrMapOvr>
+    <a:masterClrMapping/>
+  </p:clrMapOvr>
+</p:sld>
+</file>
+
+<file path=ppt/slides/slide12.xml><?xml version="1.0" encoding="utf-8"?>
+<p:sld xmlns:a="http://schemas.openxmlformats.org/drawingml/2006/main" xmlns:r="http://schemas.openxmlformats.org/officeDocument/2006/relationships" xmlns:p="http://schemas.openxmlformats.org/presentationml/2006/main">
+  <p:cSld>
+    <p:spTree>
+      <p:nvGrpSpPr>
+        <p:cNvPr id="1" name="">
+          <a:extLst>
+            <a:ext uri="{FF2B5EF4-FFF2-40B4-BE49-F238E27FC236}">
+              <a16:creationId xmlns:a16="http://schemas.microsoft.com/office/drawing/2014/main" id="{6183B598-CEB1-970A-1554-0A1972BF8ED5}"/>
+            </a:ext>
+          </a:extLst>
+        </p:cNvPr>
+        <p:cNvGrpSpPr/>
+        <p:nvPr/>
+      </p:nvGrpSpPr>
+      <p:grpSpPr>
+        <a:xfrm>
+          <a:off x="0" y="0"/>
+          <a:ext cx="0" cy="0"/>
+          <a:chOff x="0" y="0"/>
+          <a:chExt cx="0" cy="0"/>
+        </a:xfrm>
+      </p:grpSpPr>
+      <p:sp>
+        <p:nvSpPr>
+          <p:cNvPr id="29" name="Rectangle 155">
+            <a:extLst>
+              <a:ext uri="{FF2B5EF4-FFF2-40B4-BE49-F238E27FC236}">
+                <a16:creationId xmlns:a16="http://schemas.microsoft.com/office/drawing/2014/main" id="{B5C279F6-E2F0-A4A7-BFE7-B1872E5A9758}"/>
+              </a:ext>
+            </a:extLst>
+          </p:cNvPr>
+          <p:cNvSpPr/>
+          <p:nvPr/>
+        </p:nvSpPr>
+        <p:spPr>
+          <a:xfrm>
+            <a:off x="722253" y="484191"/>
+            <a:ext cx="10102565" cy="553998"/>
+          </a:xfrm>
+          <a:prstGeom prst="rect">
+            <a:avLst/>
+          </a:prstGeom>
+        </p:spPr>
+        <p:txBody>
+          <a:bodyPr wrap="square" lIns="0" tIns="0" rIns="0" bIns="0">
+            <a:spAutoFit/>
+          </a:bodyPr>
+          <a:lstStyle/>
+          <a:p>
+            <a:pPr>
+              <a:spcBef>
+                <a:spcPct val="0"/>
+              </a:spcBef>
+            </a:pPr>
+            <a:r>
+              <a:rPr lang="en-US" sz="3600" b="1" dirty="0">
+                <a:solidFill>
+                  <a:srgbClr val="0187CC"/>
+                </a:solidFill>
+                <a:latin typeface="HK Grotesk Bold"/>
+              </a:rPr>
+              <a:t>Frontend Implementation</a:t>
+            </a:r>
+          </a:p>
+        </p:txBody>
+      </p:sp>
+      <p:pic>
+        <p:nvPicPr>
+          <p:cNvPr id="2" name="Picture 1" descr="Logo&#10;&#10;Description automatically generated">
+            <a:extLst>
+              <a:ext uri="{FF2B5EF4-FFF2-40B4-BE49-F238E27FC236}">
+                <a16:creationId xmlns:a16="http://schemas.microsoft.com/office/drawing/2014/main" id="{99AFA44A-5A90-3F9F-5961-360B1242D6C4}"/>
+              </a:ext>
+            </a:extLst>
+          </p:cNvPr>
+          <p:cNvPicPr>
+            <a:picLocks noChangeAspect="1"/>
+          </p:cNvPicPr>
+          <p:nvPr/>
+        </p:nvPicPr>
+        <p:blipFill>
+          <a:blip r:embed="rId2">
+            <a:extLst>
+              <a:ext uri="{28A0092B-C50C-407E-A947-70E740481C1C}">
+                <a14:useLocalDpi xmlns:a14="http://schemas.microsoft.com/office/drawing/2010/main" val="0"/>
+              </a:ext>
+            </a:extLst>
+          </a:blip>
+          <a:stretch>
+            <a:fillRect/>
+          </a:stretch>
+        </p:blipFill>
+        <p:spPr>
+          <a:xfrm>
+            <a:off x="108630" y="6397884"/>
+            <a:ext cx="645766" cy="422937"/>
+          </a:xfrm>
+          <a:prstGeom prst="rect">
+            <a:avLst/>
+          </a:prstGeom>
+        </p:spPr>
+      </p:pic>
+      <p:sp>
+        <p:nvSpPr>
+          <p:cNvPr id="3" name="TextBox 5">
+            <a:extLst>
+              <a:ext uri="{FF2B5EF4-FFF2-40B4-BE49-F238E27FC236}">
+                <a16:creationId xmlns:a16="http://schemas.microsoft.com/office/drawing/2014/main" id="{1AEEEB95-8B79-0369-05E9-40710CB06C5E}"/>
+              </a:ext>
+            </a:extLst>
+          </p:cNvPr>
+          <p:cNvSpPr txBox="1"/>
+          <p:nvPr/>
+        </p:nvSpPr>
+        <p:spPr>
+          <a:xfrm>
+            <a:off x="4424757" y="6418579"/>
+            <a:ext cx="6259403" cy="240665"/>
+          </a:xfrm>
+          <a:prstGeom prst="rect">
+            <a:avLst/>
+          </a:prstGeom>
+        </p:spPr>
+        <p:txBody>
+          <a:bodyPr lIns="0" tIns="0" rIns="0" bIns="0" rtlCol="0" anchor="t">
+            <a:spAutoFit/>
+          </a:bodyPr>
+          <a:lstStyle/>
+          <a:p>
+            <a:pPr algn="r">
+              <a:lnSpc>
+                <a:spcPts val="1960"/>
+              </a:lnSpc>
+              <a:spcBef>
+                <a:spcPct val="0"/>
+              </a:spcBef>
+            </a:pPr>
+            <a:r>
+              <a:rPr lang="en-US" sz="1400" spc="140" dirty="0">
+                <a:solidFill>
+                  <a:srgbClr val="000000"/>
+                </a:solidFill>
+                <a:latin typeface="HK Grotesk Light"/>
+              </a:rPr>
+              <a:t>2024 - RPS Consulting all rights reserved</a:t>
+            </a:r>
+          </a:p>
+        </p:txBody>
+      </p:sp>
+      <p:sp>
+        <p:nvSpPr>
+          <p:cNvPr id="6" name="Slide Number Placeholder 5">
+            <a:extLst>
+              <a:ext uri="{FF2B5EF4-FFF2-40B4-BE49-F238E27FC236}">
+                <a16:creationId xmlns:a16="http://schemas.microsoft.com/office/drawing/2014/main" id="{AB0659B6-138C-767A-5883-607E6E4498F8}"/>
+              </a:ext>
+            </a:extLst>
+          </p:cNvPr>
+          <p:cNvSpPr>
+            <a:spLocks noGrp="1"/>
+          </p:cNvSpPr>
+          <p:nvPr>
+            <p:ph type="sldNum" sz="quarter" idx="12"/>
+          </p:nvPr>
+        </p:nvSpPr>
+        <p:spPr/>
+        <p:txBody>
+          <a:bodyPr/>
+          <a:lstStyle/>
+          <a:p>
+            <a:fld id="{C8F35010-364B-470B-BB6C-DCBBE63D2E54}" type="slidenum">
+              <a:rPr lang="en-US" smtClean="0">
+                <a:solidFill>
+                  <a:schemeClr val="tx1"/>
+                </a:solidFill>
+              </a:rPr>
+              <a:t>12</a:t>
+            </a:fld>
+            <a:endParaRPr lang="en-US" dirty="0">
+              <a:solidFill>
+                <a:schemeClr val="tx1"/>
+              </a:solidFill>
+            </a:endParaRPr>
+          </a:p>
+        </p:txBody>
+      </p:sp>
+      <p:pic>
+        <p:nvPicPr>
+          <p:cNvPr id="9" name="Picture 8">
+            <a:extLst>
+              <a:ext uri="{FF2B5EF4-FFF2-40B4-BE49-F238E27FC236}">
+                <a16:creationId xmlns:a16="http://schemas.microsoft.com/office/drawing/2014/main" id="{D16EF662-0988-D495-B74A-C257F2239F86}"/>
+              </a:ext>
+            </a:extLst>
+          </p:cNvPr>
+          <p:cNvPicPr>
+            <a:picLocks noChangeAspect="1"/>
+          </p:cNvPicPr>
+          <p:nvPr/>
+        </p:nvPicPr>
+        <p:blipFill>
+          <a:blip r:embed="rId3"/>
+          <a:stretch>
+            <a:fillRect/>
+          </a:stretch>
+        </p:blipFill>
+        <p:spPr>
+          <a:xfrm>
+            <a:off x="1330583" y="1532350"/>
+            <a:ext cx="9296777" cy="4736370"/>
+          </a:xfrm>
+          <a:prstGeom prst="rect">
+            <a:avLst/>
+          </a:prstGeom>
+        </p:spPr>
+      </p:pic>
+      <p:sp>
+        <p:nvSpPr>
+          <p:cNvPr id="10" name="TextBox 9">
+            <a:extLst>
+              <a:ext uri="{FF2B5EF4-FFF2-40B4-BE49-F238E27FC236}">
+                <a16:creationId xmlns:a16="http://schemas.microsoft.com/office/drawing/2014/main" id="{5752FCA4-AB2D-670F-EEE9-7521211D0233}"/>
+              </a:ext>
+            </a:extLst>
+          </p:cNvPr>
+          <p:cNvSpPr txBox="1"/>
+          <p:nvPr/>
+        </p:nvSpPr>
+        <p:spPr>
+          <a:xfrm>
+            <a:off x="915827" y="1051378"/>
+            <a:ext cx="2213453" cy="369332"/>
+          </a:xfrm>
+          <a:prstGeom prst="rect">
+            <a:avLst/>
+          </a:prstGeom>
+          <a:noFill/>
+        </p:spPr>
+        <p:txBody>
+          <a:bodyPr wrap="square" rtlCol="0">
+            <a:spAutoFit/>
+          </a:bodyPr>
+          <a:lstStyle>
+            <a:defPPr>
+              <a:defRPr lang="en-US"/>
+            </a:defPPr>
+            <a:lvl1pPr marL="0" algn="l" defTabSz="914400" rtl="0" eaLnBrk="1" latinLnBrk="0" hangingPunct="1">
+              <a:defRPr sz="1800" kern="1200">
+                <a:solidFill>
+                  <a:schemeClr val="tx1"/>
+                </a:solidFill>
+                <a:latin typeface="+mn-lt"/>
+                <a:ea typeface="+mn-ea"/>
+                <a:cs typeface="+mn-cs"/>
+              </a:defRPr>
+            </a:lvl1pPr>
+            <a:lvl2pPr marL="457200" algn="l" defTabSz="914400" rtl="0" eaLnBrk="1" latinLnBrk="0" hangingPunct="1">
+              <a:defRPr sz="1800" kern="1200">
+                <a:solidFill>
+                  <a:schemeClr val="tx1"/>
+                </a:solidFill>
+                <a:latin typeface="+mn-lt"/>
+                <a:ea typeface="+mn-ea"/>
+                <a:cs typeface="+mn-cs"/>
+              </a:defRPr>
+            </a:lvl2pPr>
+            <a:lvl3pPr marL="914400" algn="l" defTabSz="914400" rtl="0" eaLnBrk="1" latinLnBrk="0" hangingPunct="1">
+              <a:defRPr sz="1800" kern="1200">
+                <a:solidFill>
+                  <a:schemeClr val="tx1"/>
+                </a:solidFill>
+                <a:latin typeface="+mn-lt"/>
+                <a:ea typeface="+mn-ea"/>
+                <a:cs typeface="+mn-cs"/>
+              </a:defRPr>
+            </a:lvl3pPr>
+            <a:lvl4pPr marL="1371600" algn="l" defTabSz="914400" rtl="0" eaLnBrk="1" latinLnBrk="0" hangingPunct="1">
+              <a:defRPr sz="1800" kern="1200">
+                <a:solidFill>
+                  <a:schemeClr val="tx1"/>
+                </a:solidFill>
+                <a:latin typeface="+mn-lt"/>
+                <a:ea typeface="+mn-ea"/>
+                <a:cs typeface="+mn-cs"/>
+              </a:defRPr>
+            </a:lvl4pPr>
+            <a:lvl5pPr marL="1828800" algn="l" defTabSz="914400" rtl="0" eaLnBrk="1" latinLnBrk="0" hangingPunct="1">
+              <a:defRPr sz="1800" kern="1200">
+                <a:solidFill>
+                  <a:schemeClr val="tx1"/>
+                </a:solidFill>
+                <a:latin typeface="+mn-lt"/>
+                <a:ea typeface="+mn-ea"/>
+                <a:cs typeface="+mn-cs"/>
+              </a:defRPr>
+            </a:lvl5pPr>
+            <a:lvl6pPr marL="2286000" algn="l" defTabSz="914400" rtl="0" eaLnBrk="1" latinLnBrk="0" hangingPunct="1">
+              <a:defRPr sz="1800" kern="1200">
+                <a:solidFill>
+                  <a:schemeClr val="tx1"/>
+                </a:solidFill>
+                <a:latin typeface="+mn-lt"/>
+                <a:ea typeface="+mn-ea"/>
+                <a:cs typeface="+mn-cs"/>
+              </a:defRPr>
+            </a:lvl6pPr>
+            <a:lvl7pPr marL="2743200" algn="l" defTabSz="914400" rtl="0" eaLnBrk="1" latinLnBrk="0" hangingPunct="1">
+              <a:defRPr sz="1800" kern="1200">
+                <a:solidFill>
+                  <a:schemeClr val="tx1"/>
+                </a:solidFill>
+                <a:latin typeface="+mn-lt"/>
+                <a:ea typeface="+mn-ea"/>
+                <a:cs typeface="+mn-cs"/>
+              </a:defRPr>
+            </a:lvl7pPr>
+            <a:lvl8pPr marL="3200400" algn="l" defTabSz="914400" rtl="0" eaLnBrk="1" latinLnBrk="0" hangingPunct="1">
+              <a:defRPr sz="1800" kern="1200">
+                <a:solidFill>
+                  <a:schemeClr val="tx1"/>
+                </a:solidFill>
+                <a:latin typeface="+mn-lt"/>
+                <a:ea typeface="+mn-ea"/>
+                <a:cs typeface="+mn-cs"/>
+              </a:defRPr>
+            </a:lvl8pPr>
+            <a:lvl9pPr marL="3657600" algn="l" defTabSz="914400" rtl="0" eaLnBrk="1" latinLnBrk="0" hangingPunct="1">
+              <a:defRPr sz="1800" kern="1200">
+                <a:solidFill>
+                  <a:schemeClr val="tx1"/>
+                </a:solidFill>
+                <a:latin typeface="+mn-lt"/>
+                <a:ea typeface="+mn-ea"/>
+                <a:cs typeface="+mn-cs"/>
+              </a:defRPr>
+            </a:lvl9pPr>
+          </a:lstStyle>
+          <a:p>
+            <a:pPr lvl="0"/>
+            <a:r>
+              <a:rPr lang="en-US" dirty="0"/>
+              <a:t>Register Page</a:t>
+            </a:r>
+            <a:endParaRPr lang="en-IN" dirty="0"/>
+          </a:p>
+        </p:txBody>
+      </p:sp>
+    </p:spTree>
+    <p:extLst>
+      <p:ext uri="{BB962C8B-B14F-4D97-AF65-F5344CB8AC3E}">
+        <p14:creationId xmlns:p14="http://schemas.microsoft.com/office/powerpoint/2010/main" val="2851704219"/>
+      </p:ext>
+    </p:extLst>
+  </p:cSld>
+  <p:clrMapOvr>
+    <a:masterClrMapping/>
+  </p:clrMapOvr>
+</p:sld>
+</file>
+
+<file path=ppt/slides/slide13.xml><?xml version="1.0" encoding="utf-8"?>
+<p:sld xmlns:a="http://schemas.openxmlformats.org/drawingml/2006/main" xmlns:r="http://schemas.openxmlformats.org/officeDocument/2006/relationships" xmlns:p="http://schemas.openxmlformats.org/presentationml/2006/main">
+  <p:cSld>
+    <p:spTree>
+      <p:nvGrpSpPr>
+        <p:cNvPr id="1" name="">
+          <a:extLst>
+            <a:ext uri="{FF2B5EF4-FFF2-40B4-BE49-F238E27FC236}">
               <a16:creationId xmlns:a16="http://schemas.microsoft.com/office/drawing/2014/main" id="{35942EA2-0542-6588-A76E-3FF93ACBE145}"/>
             </a:ext>
           </a:extLst>
@@ -4247,7 +5406,7 @@
                   <a:schemeClr val="tx1"/>
                 </a:solidFill>
               </a:rPr>
-              <a:t>10</a:t>
+              <a:t>13</a:t>
             </a:fld>
             <a:endParaRPr lang="en-US" dirty="0">
               <a:solidFill>
@@ -4432,7 +5591,7 @@
 </p:sld>
 </file>
 
-<file path=ppt/slides/slide11.xml><?xml version="1.0" encoding="utf-8"?>
+<file path=ppt/slides/slide14.xml><?xml version="1.0" encoding="utf-8"?>
 <p:sld xmlns:a="http://schemas.openxmlformats.org/drawingml/2006/main" xmlns:r="http://schemas.openxmlformats.org/officeDocument/2006/relationships" xmlns:p="http://schemas.openxmlformats.org/presentationml/2006/main">
   <p:cSld>
     <p:spTree>
@@ -4609,7 +5768,7 @@
                   <a:schemeClr val="tx1"/>
                 </a:solidFill>
               </a:rPr>
-              <a:t>11</a:t>
+              <a:t>14</a:t>
             </a:fld>
             <a:endParaRPr lang="en-US" dirty="0">
               <a:solidFill>
@@ -4793,467 +5952,7 @@
 </p:sld>
 </file>
 
-<file path=ppt/slides/slide12.xml><?xml version="1.0" encoding="utf-8"?>
-<p:sld xmlns:a="http://schemas.openxmlformats.org/drawingml/2006/main" xmlns:r="http://schemas.openxmlformats.org/officeDocument/2006/relationships" xmlns:p="http://schemas.openxmlformats.org/presentationml/2006/main">
-  <p:cSld>
-    <p:spTree>
-      <p:nvGrpSpPr>
-        <p:cNvPr id="1" name="">
-          <a:extLst>
-            <a:ext uri="{FF2B5EF4-FFF2-40B4-BE49-F238E27FC236}">
-              <a16:creationId xmlns:a16="http://schemas.microsoft.com/office/drawing/2014/main" id="{F5A4B452-8932-2445-9144-BC337AF49848}"/>
-            </a:ext>
-          </a:extLst>
-        </p:cNvPr>
-        <p:cNvGrpSpPr/>
-        <p:nvPr/>
-      </p:nvGrpSpPr>
-      <p:grpSpPr>
-        <a:xfrm>
-          <a:off x="0" y="0"/>
-          <a:ext cx="0" cy="0"/>
-          <a:chOff x="0" y="0"/>
-          <a:chExt cx="0" cy="0"/>
-        </a:xfrm>
-      </p:grpSpPr>
-      <p:sp>
-        <p:nvSpPr>
-          <p:cNvPr id="29" name="Rectangle 155">
-            <a:extLst>
-              <a:ext uri="{FF2B5EF4-FFF2-40B4-BE49-F238E27FC236}">
-                <a16:creationId xmlns:a16="http://schemas.microsoft.com/office/drawing/2014/main" id="{30ECA3F2-75AD-2207-1F29-EBC258AB6853}"/>
-              </a:ext>
-            </a:extLst>
-          </p:cNvPr>
-          <p:cNvSpPr/>
-          <p:nvPr/>
-        </p:nvSpPr>
-        <p:spPr>
-          <a:xfrm>
-            <a:off x="754339" y="468149"/>
-            <a:ext cx="10102565" cy="553998"/>
-          </a:xfrm>
-          <a:prstGeom prst="rect">
-            <a:avLst/>
-          </a:prstGeom>
-        </p:spPr>
-        <p:txBody>
-          <a:bodyPr wrap="square" lIns="0" tIns="0" rIns="0" bIns="0">
-            <a:spAutoFit/>
-          </a:bodyPr>
-          <a:lstStyle/>
-          <a:p>
-            <a:pPr>
-              <a:spcBef>
-                <a:spcPct val="0"/>
-              </a:spcBef>
-            </a:pPr>
-            <a:r>
-              <a:rPr lang="en-US" sz="3600" b="1" dirty="0">
-                <a:solidFill>
-                  <a:srgbClr val="0187CC"/>
-                </a:solidFill>
-                <a:latin typeface="HK Grotesk Bold"/>
-              </a:rPr>
-              <a:t>Backend Implementation</a:t>
-            </a:r>
-          </a:p>
-        </p:txBody>
-      </p:sp>
-      <p:pic>
-        <p:nvPicPr>
-          <p:cNvPr id="2" name="Picture 1" descr="Logo&#10;&#10;Description automatically generated">
-            <a:extLst>
-              <a:ext uri="{FF2B5EF4-FFF2-40B4-BE49-F238E27FC236}">
-                <a16:creationId xmlns:a16="http://schemas.microsoft.com/office/drawing/2014/main" id="{842C4C0C-A266-B06B-8A16-E1829CE2A6C3}"/>
-              </a:ext>
-            </a:extLst>
-          </p:cNvPr>
-          <p:cNvPicPr>
-            <a:picLocks noChangeAspect="1"/>
-          </p:cNvPicPr>
-          <p:nvPr/>
-        </p:nvPicPr>
-        <p:blipFill>
-          <a:blip r:embed="rId2">
-            <a:extLst>
-              <a:ext uri="{28A0092B-C50C-407E-A947-70E740481C1C}">
-                <a14:useLocalDpi xmlns:a14="http://schemas.microsoft.com/office/drawing/2010/main" val="0"/>
-              </a:ext>
-            </a:extLst>
-          </a:blip>
-          <a:stretch>
-            <a:fillRect/>
-          </a:stretch>
-        </p:blipFill>
-        <p:spPr>
-          <a:xfrm>
-            <a:off x="108630" y="6397884"/>
-            <a:ext cx="645766" cy="422937"/>
-          </a:xfrm>
-          <a:prstGeom prst="rect">
-            <a:avLst/>
-          </a:prstGeom>
-        </p:spPr>
-      </p:pic>
-      <p:sp>
-        <p:nvSpPr>
-          <p:cNvPr id="3" name="TextBox 5">
-            <a:extLst>
-              <a:ext uri="{FF2B5EF4-FFF2-40B4-BE49-F238E27FC236}">
-                <a16:creationId xmlns:a16="http://schemas.microsoft.com/office/drawing/2014/main" id="{585D5171-F146-F699-2CDF-E4833C4429F0}"/>
-              </a:ext>
-            </a:extLst>
-          </p:cNvPr>
-          <p:cNvSpPr txBox="1"/>
-          <p:nvPr/>
-        </p:nvSpPr>
-        <p:spPr>
-          <a:xfrm>
-            <a:off x="4424757" y="6418579"/>
-            <a:ext cx="6259403" cy="240665"/>
-          </a:xfrm>
-          <a:prstGeom prst="rect">
-            <a:avLst/>
-          </a:prstGeom>
-        </p:spPr>
-        <p:txBody>
-          <a:bodyPr lIns="0" tIns="0" rIns="0" bIns="0" rtlCol="0" anchor="t">
-            <a:spAutoFit/>
-          </a:bodyPr>
-          <a:lstStyle/>
-          <a:p>
-            <a:pPr algn="r">
-              <a:lnSpc>
-                <a:spcPts val="1960"/>
-              </a:lnSpc>
-              <a:spcBef>
-                <a:spcPct val="0"/>
-              </a:spcBef>
-            </a:pPr>
-            <a:r>
-              <a:rPr lang="en-US" sz="1400" spc="140" dirty="0">
-                <a:solidFill>
-                  <a:srgbClr val="000000"/>
-                </a:solidFill>
-                <a:latin typeface="HK Grotesk Light"/>
-              </a:rPr>
-              <a:t>2024 - RPS Consulting all rights reserved</a:t>
-            </a:r>
-          </a:p>
-        </p:txBody>
-      </p:sp>
-      <p:sp>
-        <p:nvSpPr>
-          <p:cNvPr id="6" name="Slide Number Placeholder 5">
-            <a:extLst>
-              <a:ext uri="{FF2B5EF4-FFF2-40B4-BE49-F238E27FC236}">
-                <a16:creationId xmlns:a16="http://schemas.microsoft.com/office/drawing/2014/main" id="{C59841DE-95CD-9C53-CB3D-71665376B2FB}"/>
-              </a:ext>
-            </a:extLst>
-          </p:cNvPr>
-          <p:cNvSpPr>
-            <a:spLocks noGrp="1"/>
-          </p:cNvSpPr>
-          <p:nvPr>
-            <p:ph type="sldNum" sz="quarter" idx="12"/>
-          </p:nvPr>
-        </p:nvSpPr>
-        <p:spPr/>
-        <p:txBody>
-          <a:bodyPr/>
-          <a:lstStyle/>
-          <a:p>
-            <a:fld id="{C8F35010-364B-470B-BB6C-DCBBE63D2E54}" type="slidenum">
-              <a:rPr lang="en-US" smtClean="0">
-                <a:solidFill>
-                  <a:schemeClr val="tx1"/>
-                </a:solidFill>
-              </a:rPr>
-              <a:t>12</a:t>
-            </a:fld>
-            <a:endParaRPr lang="en-US" dirty="0">
-              <a:solidFill>
-                <a:schemeClr val="tx1"/>
-              </a:solidFill>
-            </a:endParaRPr>
-          </a:p>
-        </p:txBody>
-      </p:sp>
-      <p:pic>
-        <p:nvPicPr>
-          <p:cNvPr id="5" name="Picture 4">
-            <a:extLst>
-              <a:ext uri="{FF2B5EF4-FFF2-40B4-BE49-F238E27FC236}">
-                <a16:creationId xmlns:a16="http://schemas.microsoft.com/office/drawing/2014/main" id="{917DBC6B-8F9C-1A66-9F65-A37476D1B0D7}"/>
-              </a:ext>
-            </a:extLst>
-          </p:cNvPr>
-          <p:cNvPicPr>
-            <a:picLocks noChangeAspect="1"/>
-          </p:cNvPicPr>
-          <p:nvPr/>
-        </p:nvPicPr>
-        <p:blipFill>
-          <a:blip r:embed="rId3"/>
-          <a:stretch>
-            <a:fillRect/>
-          </a:stretch>
-        </p:blipFill>
-        <p:spPr>
-          <a:xfrm>
-            <a:off x="1382593" y="1450290"/>
-            <a:ext cx="8339638" cy="4441462"/>
-          </a:xfrm>
-          <a:prstGeom prst="rect">
-            <a:avLst/>
-          </a:prstGeom>
-        </p:spPr>
-      </p:pic>
-    </p:spTree>
-    <p:extLst>
-      <p:ext uri="{BB962C8B-B14F-4D97-AF65-F5344CB8AC3E}">
-        <p14:creationId xmlns:p14="http://schemas.microsoft.com/office/powerpoint/2010/main" val="4086853968"/>
-      </p:ext>
-    </p:extLst>
-  </p:cSld>
-  <p:clrMapOvr>
-    <a:masterClrMapping/>
-  </p:clrMapOvr>
-</p:sld>
-</file>
-
-<file path=ppt/slides/slide13.xml><?xml version="1.0" encoding="utf-8"?>
-<p:sld xmlns:a="http://schemas.openxmlformats.org/drawingml/2006/main" xmlns:r="http://schemas.openxmlformats.org/officeDocument/2006/relationships" xmlns:p="http://schemas.openxmlformats.org/presentationml/2006/main">
-  <p:cSld>
-    <p:spTree>
-      <p:nvGrpSpPr>
-        <p:cNvPr id="1" name="">
-          <a:extLst>
-            <a:ext uri="{FF2B5EF4-FFF2-40B4-BE49-F238E27FC236}">
-              <a16:creationId xmlns:a16="http://schemas.microsoft.com/office/drawing/2014/main" id="{300849CC-EFF8-CADE-EE5F-E943F085C5D8}"/>
-            </a:ext>
-          </a:extLst>
-        </p:cNvPr>
-        <p:cNvGrpSpPr/>
-        <p:nvPr/>
-      </p:nvGrpSpPr>
-      <p:grpSpPr>
-        <a:xfrm>
-          <a:off x="0" y="0"/>
-          <a:ext cx="0" cy="0"/>
-          <a:chOff x="0" y="0"/>
-          <a:chExt cx="0" cy="0"/>
-        </a:xfrm>
-      </p:grpSpPr>
-      <p:sp>
-        <p:nvSpPr>
-          <p:cNvPr id="29" name="Rectangle 155">
-            <a:extLst>
-              <a:ext uri="{FF2B5EF4-FFF2-40B4-BE49-F238E27FC236}">
-                <a16:creationId xmlns:a16="http://schemas.microsoft.com/office/drawing/2014/main" id="{B63CFF7E-83E4-E354-2F4E-039451AB5E68}"/>
-              </a:ext>
-            </a:extLst>
-          </p:cNvPr>
-          <p:cNvSpPr/>
-          <p:nvPr/>
-        </p:nvSpPr>
-        <p:spPr>
-          <a:xfrm>
-            <a:off x="754339" y="468149"/>
-            <a:ext cx="10102565" cy="553998"/>
-          </a:xfrm>
-          <a:prstGeom prst="rect">
-            <a:avLst/>
-          </a:prstGeom>
-        </p:spPr>
-        <p:txBody>
-          <a:bodyPr wrap="square" lIns="0" tIns="0" rIns="0" bIns="0">
-            <a:spAutoFit/>
-          </a:bodyPr>
-          <a:lstStyle/>
-          <a:p>
-            <a:pPr>
-              <a:spcBef>
-                <a:spcPct val="0"/>
-              </a:spcBef>
-            </a:pPr>
-            <a:r>
-              <a:rPr lang="en-US" sz="3600" b="1" dirty="0">
-                <a:solidFill>
-                  <a:srgbClr val="0187CC"/>
-                </a:solidFill>
-                <a:latin typeface="HK Grotesk Bold"/>
-              </a:rPr>
-              <a:t>Backend Implementation</a:t>
-            </a:r>
-          </a:p>
-        </p:txBody>
-      </p:sp>
-      <p:pic>
-        <p:nvPicPr>
-          <p:cNvPr id="2" name="Picture 1" descr="Logo&#10;&#10;Description automatically generated">
-            <a:extLst>
-              <a:ext uri="{FF2B5EF4-FFF2-40B4-BE49-F238E27FC236}">
-                <a16:creationId xmlns:a16="http://schemas.microsoft.com/office/drawing/2014/main" id="{7454625C-A526-156F-237F-DF95BD176A0E}"/>
-              </a:ext>
-            </a:extLst>
-          </p:cNvPr>
-          <p:cNvPicPr>
-            <a:picLocks noChangeAspect="1"/>
-          </p:cNvPicPr>
-          <p:nvPr/>
-        </p:nvPicPr>
-        <p:blipFill>
-          <a:blip r:embed="rId2">
-            <a:extLst>
-              <a:ext uri="{28A0092B-C50C-407E-A947-70E740481C1C}">
-                <a14:useLocalDpi xmlns:a14="http://schemas.microsoft.com/office/drawing/2010/main" val="0"/>
-              </a:ext>
-            </a:extLst>
-          </a:blip>
-          <a:stretch>
-            <a:fillRect/>
-          </a:stretch>
-        </p:blipFill>
-        <p:spPr>
-          <a:xfrm>
-            <a:off x="108630" y="6397884"/>
-            <a:ext cx="645766" cy="422937"/>
-          </a:xfrm>
-          <a:prstGeom prst="rect">
-            <a:avLst/>
-          </a:prstGeom>
-        </p:spPr>
-      </p:pic>
-      <p:sp>
-        <p:nvSpPr>
-          <p:cNvPr id="3" name="TextBox 5">
-            <a:extLst>
-              <a:ext uri="{FF2B5EF4-FFF2-40B4-BE49-F238E27FC236}">
-                <a16:creationId xmlns:a16="http://schemas.microsoft.com/office/drawing/2014/main" id="{8E2BF49D-20EE-3833-478B-22737ED9DBD2}"/>
-              </a:ext>
-            </a:extLst>
-          </p:cNvPr>
-          <p:cNvSpPr txBox="1"/>
-          <p:nvPr/>
-        </p:nvSpPr>
-        <p:spPr>
-          <a:xfrm>
-            <a:off x="4424757" y="6418579"/>
-            <a:ext cx="6259403" cy="240665"/>
-          </a:xfrm>
-          <a:prstGeom prst="rect">
-            <a:avLst/>
-          </a:prstGeom>
-        </p:spPr>
-        <p:txBody>
-          <a:bodyPr lIns="0" tIns="0" rIns="0" bIns="0" rtlCol="0" anchor="t">
-            <a:spAutoFit/>
-          </a:bodyPr>
-          <a:lstStyle/>
-          <a:p>
-            <a:pPr algn="r">
-              <a:lnSpc>
-                <a:spcPts val="1960"/>
-              </a:lnSpc>
-              <a:spcBef>
-                <a:spcPct val="0"/>
-              </a:spcBef>
-            </a:pPr>
-            <a:r>
-              <a:rPr lang="en-US" sz="1400" spc="140" dirty="0">
-                <a:solidFill>
-                  <a:srgbClr val="000000"/>
-                </a:solidFill>
-                <a:latin typeface="HK Grotesk Light"/>
-              </a:rPr>
-              <a:t>2024 - RPS Consulting all rights reserved</a:t>
-            </a:r>
-          </a:p>
-        </p:txBody>
-      </p:sp>
-      <p:sp>
-        <p:nvSpPr>
-          <p:cNvPr id="6" name="Slide Number Placeholder 5">
-            <a:extLst>
-              <a:ext uri="{FF2B5EF4-FFF2-40B4-BE49-F238E27FC236}">
-                <a16:creationId xmlns:a16="http://schemas.microsoft.com/office/drawing/2014/main" id="{E8D3BDC0-6750-32A9-DD70-667628FBBE79}"/>
-              </a:ext>
-            </a:extLst>
-          </p:cNvPr>
-          <p:cNvSpPr>
-            <a:spLocks noGrp="1"/>
-          </p:cNvSpPr>
-          <p:nvPr>
-            <p:ph type="sldNum" sz="quarter" idx="12"/>
-          </p:nvPr>
-        </p:nvSpPr>
-        <p:spPr/>
-        <p:txBody>
-          <a:bodyPr/>
-          <a:lstStyle/>
-          <a:p>
-            <a:fld id="{C8F35010-364B-470B-BB6C-DCBBE63D2E54}" type="slidenum">
-              <a:rPr lang="en-US" smtClean="0">
-                <a:solidFill>
-                  <a:schemeClr val="tx1"/>
-                </a:solidFill>
-              </a:rPr>
-              <a:t>13</a:t>
-            </a:fld>
-            <a:endParaRPr lang="en-US" dirty="0">
-              <a:solidFill>
-                <a:schemeClr val="tx1"/>
-              </a:solidFill>
-            </a:endParaRPr>
-          </a:p>
-        </p:txBody>
-      </p:sp>
-      <p:pic>
-        <p:nvPicPr>
-          <p:cNvPr id="4" name="Picture 3">
-            <a:extLst>
-              <a:ext uri="{FF2B5EF4-FFF2-40B4-BE49-F238E27FC236}">
-                <a16:creationId xmlns:a16="http://schemas.microsoft.com/office/drawing/2014/main" id="{3D8AF7DD-71F4-9DB2-336D-3A71A8BA3992}"/>
-              </a:ext>
-            </a:extLst>
-          </p:cNvPr>
-          <p:cNvPicPr>
-            <a:picLocks noChangeAspect="1"/>
-          </p:cNvPicPr>
-          <p:nvPr/>
-        </p:nvPicPr>
-        <p:blipFill>
-          <a:blip r:embed="rId3"/>
-          <a:stretch>
-            <a:fillRect/>
-          </a:stretch>
-        </p:blipFill>
-        <p:spPr>
-          <a:xfrm>
-            <a:off x="819810" y="1025303"/>
-            <a:ext cx="10051390" cy="5262892"/>
-          </a:xfrm>
-          <a:prstGeom prst="rect">
-            <a:avLst/>
-          </a:prstGeom>
-        </p:spPr>
-      </p:pic>
-    </p:spTree>
-    <p:extLst>
-      <p:ext uri="{BB962C8B-B14F-4D97-AF65-F5344CB8AC3E}">
-        <p14:creationId xmlns:p14="http://schemas.microsoft.com/office/powerpoint/2010/main" val="530944145"/>
-      </p:ext>
-    </p:extLst>
-  </p:cSld>
-  <p:clrMapOvr>
-    <a:masterClrMapping/>
-  </p:clrMapOvr>
-</p:sld>
-</file>
-
-<file path=ppt/slides/slide14.xml><?xml version="1.0" encoding="utf-8"?>
+<file path=ppt/slides/slide15.xml><?xml version="1.0" encoding="utf-8"?>
 <p:sld xmlns:a="http://schemas.openxmlformats.org/drawingml/2006/main" xmlns:r="http://schemas.openxmlformats.org/officeDocument/2006/relationships" xmlns:p="http://schemas.openxmlformats.org/presentationml/2006/main">
   <p:cSld>
     <p:spTree>
@@ -5445,7 +6144,7 @@
                   <a:schemeClr val="tx1"/>
                 </a:solidFill>
               </a:rPr>
-              <a:t>14</a:t>
+              <a:t>15</a:t>
             </a:fld>
             <a:endParaRPr lang="en-US" dirty="0">
               <a:solidFill>
@@ -5652,7 +6351,7 @@
 </p:sld>
 </file>
 
-<file path=ppt/slides/slide15.xml><?xml version="1.0" encoding="utf-8"?>
+<file path=ppt/slides/slide16.xml><?xml version="1.0" encoding="utf-8"?>
 <p:sld xmlns:a="http://schemas.openxmlformats.org/drawingml/2006/main" xmlns:r="http://schemas.openxmlformats.org/officeDocument/2006/relationships" xmlns:p="http://schemas.openxmlformats.org/presentationml/2006/main">
   <p:cSld>
     <p:spTree>
@@ -5844,7 +6543,7 @@
                   <a:schemeClr val="tx1"/>
                 </a:solidFill>
               </a:rPr>
-              <a:t>15</a:t>
+              <a:t>16</a:t>
             </a:fld>
             <a:endParaRPr lang="en-US" dirty="0">
               <a:solidFill>
@@ -6051,7 +6750,7 @@
 </p:sld>
 </file>
 
-<file path=ppt/slides/slide16.xml><?xml version="1.0" encoding="utf-8"?>
+<file path=ppt/slides/slide17.xml><?xml version="1.0" encoding="utf-8"?>
 <p:sld xmlns:a="http://schemas.openxmlformats.org/drawingml/2006/main" xmlns:r="http://schemas.openxmlformats.org/officeDocument/2006/relationships" xmlns:p="http://schemas.openxmlformats.org/presentationml/2006/main">
   <p:cSld>
     <p:spTree>
@@ -6243,7 +6942,7 @@
                   <a:schemeClr val="tx1"/>
                 </a:solidFill>
               </a:rPr>
-              <a:t>16</a:t>
+              <a:t>17</a:t>
             </a:fld>
             <a:endParaRPr lang="en-US" dirty="0">
               <a:solidFill>
@@ -6462,7 +7161,7 @@
 </p:sld>
 </file>
 
-<file path=ppt/slides/slide17.xml><?xml version="1.0" encoding="utf-8"?>
+<file path=ppt/slides/slide18.xml><?xml version="1.0" encoding="utf-8"?>
 <p:sld xmlns:a="http://schemas.openxmlformats.org/drawingml/2006/main" xmlns:r="http://schemas.openxmlformats.org/officeDocument/2006/relationships" xmlns:p="http://schemas.openxmlformats.org/presentationml/2006/main">
   <p:cSld>
     <p:spTree>
@@ -6654,7 +7353,7 @@
                   <a:schemeClr val="tx1"/>
                 </a:solidFill>
               </a:rPr>
-              <a:t>17</a:t>
+              <a:t>18</a:t>
             </a:fld>
             <a:endParaRPr lang="en-US" dirty="0">
               <a:solidFill>
@@ -6873,7 +7572,7 @@
 </p:sld>
 </file>
 
-<file path=ppt/slides/slide18.xml><?xml version="1.0" encoding="utf-8"?>
+<file path=ppt/slides/slide19.xml><?xml version="1.0" encoding="utf-8"?>
 <p:sld xmlns:a="http://schemas.openxmlformats.org/drawingml/2006/main" xmlns:r="http://schemas.openxmlformats.org/officeDocument/2006/relationships" xmlns:p="http://schemas.openxmlformats.org/presentationml/2006/main">
   <p:cSld>
     <p:spTree>
@@ -7065,7 +7764,7 @@
                   <a:schemeClr val="tx1"/>
                 </a:solidFill>
               </a:rPr>
-              <a:t>18</a:t>
+              <a:t>19</a:t>
             </a:fld>
             <a:endParaRPr lang="en-US" dirty="0">
               <a:solidFill>
@@ -7275,417 +7974,6 @@
     <p:extLst>
       <p:ext uri="{BB962C8B-B14F-4D97-AF65-F5344CB8AC3E}">
         <p14:creationId xmlns:p14="http://schemas.microsoft.com/office/powerpoint/2010/main" val="37314596"/>
-      </p:ext>
-    </p:extLst>
-  </p:cSld>
-  <p:clrMapOvr>
-    <a:masterClrMapping/>
-  </p:clrMapOvr>
-</p:sld>
-</file>
-
-<file path=ppt/slides/slide19.xml><?xml version="1.0" encoding="utf-8"?>
-<p:sld xmlns:a="http://schemas.openxmlformats.org/drawingml/2006/main" xmlns:r="http://schemas.openxmlformats.org/officeDocument/2006/relationships" xmlns:p="http://schemas.openxmlformats.org/presentationml/2006/main">
-  <p:cSld>
-    <p:spTree>
-      <p:nvGrpSpPr>
-        <p:cNvPr id="1" name="">
-          <a:extLst>
-            <a:ext uri="{FF2B5EF4-FFF2-40B4-BE49-F238E27FC236}">
-              <a16:creationId xmlns:a16="http://schemas.microsoft.com/office/drawing/2014/main" id="{46FFD258-2FB3-42A1-A0B2-D80FB556D4C1}"/>
-            </a:ext>
-          </a:extLst>
-        </p:cNvPr>
-        <p:cNvGrpSpPr/>
-        <p:nvPr/>
-      </p:nvGrpSpPr>
-      <p:grpSpPr>
-        <a:xfrm>
-          <a:off x="0" y="0"/>
-          <a:ext cx="0" cy="0"/>
-          <a:chOff x="0" y="0"/>
-          <a:chExt cx="0" cy="0"/>
-        </a:xfrm>
-      </p:grpSpPr>
-      <p:sp>
-        <p:nvSpPr>
-          <p:cNvPr id="29" name="Rectangle 155">
-            <a:extLst>
-              <a:ext uri="{FF2B5EF4-FFF2-40B4-BE49-F238E27FC236}">
-                <a16:creationId xmlns:a16="http://schemas.microsoft.com/office/drawing/2014/main" id="{4E18FE46-FADE-E130-8A17-95EC3CA56572}"/>
-              </a:ext>
-            </a:extLst>
-          </p:cNvPr>
-          <p:cNvSpPr/>
-          <p:nvPr/>
-        </p:nvSpPr>
-        <p:spPr>
-          <a:xfrm>
-            <a:off x="642043" y="452106"/>
-            <a:ext cx="10102565" cy="553998"/>
-          </a:xfrm>
-          <a:prstGeom prst="rect">
-            <a:avLst/>
-          </a:prstGeom>
-        </p:spPr>
-        <p:txBody>
-          <a:bodyPr wrap="square" lIns="0" tIns="0" rIns="0" bIns="0">
-            <a:spAutoFit/>
-          </a:bodyPr>
-          <a:lstStyle/>
-          <a:p>
-            <a:pPr>
-              <a:spcBef>
-                <a:spcPct val="0"/>
-              </a:spcBef>
-            </a:pPr>
-            <a:r>
-              <a:rPr lang="en-US" sz="3600" b="1" dirty="0">
-                <a:solidFill>
-                  <a:srgbClr val="0187CC"/>
-                </a:solidFill>
-                <a:latin typeface="HK Grotesk Bold"/>
-              </a:rPr>
-              <a:t>REST API </a:t>
-            </a:r>
-            <a:r>
-              <a:rPr lang="en-US" sz="3600" b="1" dirty="0" err="1">
-                <a:solidFill>
-                  <a:srgbClr val="0187CC"/>
-                </a:solidFill>
-                <a:latin typeface="HK Grotesk Bold"/>
-              </a:rPr>
-              <a:t>EndPoints</a:t>
-            </a:r>
-            <a:endParaRPr lang="en-US" sz="3600" b="1" dirty="0">
-              <a:solidFill>
-                <a:srgbClr val="0187CC"/>
-              </a:solidFill>
-              <a:latin typeface="HK Grotesk Bold"/>
-            </a:endParaRPr>
-          </a:p>
-        </p:txBody>
-      </p:sp>
-      <p:pic>
-        <p:nvPicPr>
-          <p:cNvPr id="2" name="Picture 1" descr="Logo&#10;&#10;Description automatically generated">
-            <a:extLst>
-              <a:ext uri="{FF2B5EF4-FFF2-40B4-BE49-F238E27FC236}">
-                <a16:creationId xmlns:a16="http://schemas.microsoft.com/office/drawing/2014/main" id="{1CB0BBCF-1930-5192-4F3B-F1DA200DE258}"/>
-              </a:ext>
-            </a:extLst>
-          </p:cNvPr>
-          <p:cNvPicPr>
-            <a:picLocks noChangeAspect="1"/>
-          </p:cNvPicPr>
-          <p:nvPr/>
-        </p:nvPicPr>
-        <p:blipFill>
-          <a:blip r:embed="rId2">
-            <a:extLst>
-              <a:ext uri="{28A0092B-C50C-407E-A947-70E740481C1C}">
-                <a14:useLocalDpi xmlns:a14="http://schemas.microsoft.com/office/drawing/2010/main" val="0"/>
-              </a:ext>
-            </a:extLst>
-          </a:blip>
-          <a:stretch>
-            <a:fillRect/>
-          </a:stretch>
-        </p:blipFill>
-        <p:spPr>
-          <a:xfrm>
-            <a:off x="108630" y="6397884"/>
-            <a:ext cx="645766" cy="422937"/>
-          </a:xfrm>
-          <a:prstGeom prst="rect">
-            <a:avLst/>
-          </a:prstGeom>
-        </p:spPr>
-      </p:pic>
-      <p:sp>
-        <p:nvSpPr>
-          <p:cNvPr id="3" name="TextBox 5">
-            <a:extLst>
-              <a:ext uri="{FF2B5EF4-FFF2-40B4-BE49-F238E27FC236}">
-                <a16:creationId xmlns:a16="http://schemas.microsoft.com/office/drawing/2014/main" id="{5138F6AB-9BBD-BD0F-196B-71D0BD7BB5ED}"/>
-              </a:ext>
-            </a:extLst>
-          </p:cNvPr>
-          <p:cNvSpPr txBox="1"/>
-          <p:nvPr/>
-        </p:nvSpPr>
-        <p:spPr>
-          <a:xfrm>
-            <a:off x="4424757" y="6418579"/>
-            <a:ext cx="6259403" cy="240665"/>
-          </a:xfrm>
-          <a:prstGeom prst="rect">
-            <a:avLst/>
-          </a:prstGeom>
-        </p:spPr>
-        <p:txBody>
-          <a:bodyPr lIns="0" tIns="0" rIns="0" bIns="0" rtlCol="0" anchor="t">
-            <a:spAutoFit/>
-          </a:bodyPr>
-          <a:lstStyle/>
-          <a:p>
-            <a:pPr algn="r">
-              <a:lnSpc>
-                <a:spcPts val="1960"/>
-              </a:lnSpc>
-              <a:spcBef>
-                <a:spcPct val="0"/>
-              </a:spcBef>
-            </a:pPr>
-            <a:r>
-              <a:rPr lang="en-US" sz="1400" spc="140" dirty="0">
-                <a:solidFill>
-                  <a:srgbClr val="000000"/>
-                </a:solidFill>
-                <a:latin typeface="HK Grotesk Light"/>
-              </a:rPr>
-              <a:t>2024 - RPS Consulting all rights reserved</a:t>
-            </a:r>
-          </a:p>
-        </p:txBody>
-      </p:sp>
-      <p:sp>
-        <p:nvSpPr>
-          <p:cNvPr id="6" name="Slide Number Placeholder 5">
-            <a:extLst>
-              <a:ext uri="{FF2B5EF4-FFF2-40B4-BE49-F238E27FC236}">
-                <a16:creationId xmlns:a16="http://schemas.microsoft.com/office/drawing/2014/main" id="{AD174795-BFFE-EF32-B4E4-72101171D3AA}"/>
-              </a:ext>
-            </a:extLst>
-          </p:cNvPr>
-          <p:cNvSpPr>
-            <a:spLocks noGrp="1"/>
-          </p:cNvSpPr>
-          <p:nvPr>
-            <p:ph type="sldNum" sz="quarter" idx="12"/>
-          </p:nvPr>
-        </p:nvSpPr>
-        <p:spPr/>
-        <p:txBody>
-          <a:bodyPr/>
-          <a:lstStyle/>
-          <a:p>
-            <a:fld id="{C8F35010-364B-470B-BB6C-DCBBE63D2E54}" type="slidenum">
-              <a:rPr lang="en-US" smtClean="0">
-                <a:solidFill>
-                  <a:schemeClr val="tx1"/>
-                </a:solidFill>
-              </a:rPr>
-              <a:t>19</a:t>
-            </a:fld>
-            <a:endParaRPr lang="en-US" dirty="0">
-              <a:solidFill>
-                <a:schemeClr val="tx1"/>
-              </a:solidFill>
-            </a:endParaRPr>
-          </a:p>
-        </p:txBody>
-      </p:sp>
-      <p:sp>
-        <p:nvSpPr>
-          <p:cNvPr id="4" name="TextBox 3">
-            <a:extLst>
-              <a:ext uri="{FF2B5EF4-FFF2-40B4-BE49-F238E27FC236}">
-                <a16:creationId xmlns:a16="http://schemas.microsoft.com/office/drawing/2014/main" id="{F456115A-735F-1D6E-4E26-D9C4130A4E63}"/>
-              </a:ext>
-            </a:extLst>
-          </p:cNvPr>
-          <p:cNvSpPr txBox="1"/>
-          <p:nvPr/>
-        </p:nvSpPr>
-        <p:spPr>
-          <a:xfrm>
-            <a:off x="774657" y="1181854"/>
-            <a:ext cx="6015431" cy="369332"/>
-          </a:xfrm>
-          <a:prstGeom prst="rect">
-            <a:avLst/>
-          </a:prstGeom>
-          <a:noFill/>
-        </p:spPr>
-        <p:txBody>
-          <a:bodyPr wrap="square" rtlCol="0">
-            <a:spAutoFit/>
-          </a:bodyPr>
-          <a:lstStyle>
-            <a:defPPr>
-              <a:defRPr lang="en-US"/>
-            </a:defPPr>
-            <a:lvl1pPr marL="0" algn="l" defTabSz="914400" rtl="0" eaLnBrk="1" latinLnBrk="0" hangingPunct="1">
-              <a:defRPr sz="1800" kern="1200">
-                <a:solidFill>
-                  <a:schemeClr val="tx1"/>
-                </a:solidFill>
-                <a:latin typeface="+mn-lt"/>
-                <a:ea typeface="+mn-ea"/>
-                <a:cs typeface="+mn-cs"/>
-              </a:defRPr>
-            </a:lvl1pPr>
-            <a:lvl2pPr marL="457200" algn="l" defTabSz="914400" rtl="0" eaLnBrk="1" latinLnBrk="0" hangingPunct="1">
-              <a:defRPr sz="1800" kern="1200">
-                <a:solidFill>
-                  <a:schemeClr val="tx1"/>
-                </a:solidFill>
-                <a:latin typeface="+mn-lt"/>
-                <a:ea typeface="+mn-ea"/>
-                <a:cs typeface="+mn-cs"/>
-              </a:defRPr>
-            </a:lvl2pPr>
-            <a:lvl3pPr marL="914400" algn="l" defTabSz="914400" rtl="0" eaLnBrk="1" latinLnBrk="0" hangingPunct="1">
-              <a:defRPr sz="1800" kern="1200">
-                <a:solidFill>
-                  <a:schemeClr val="tx1"/>
-                </a:solidFill>
-                <a:latin typeface="+mn-lt"/>
-                <a:ea typeface="+mn-ea"/>
-                <a:cs typeface="+mn-cs"/>
-              </a:defRPr>
-            </a:lvl3pPr>
-            <a:lvl4pPr marL="1371600" algn="l" defTabSz="914400" rtl="0" eaLnBrk="1" latinLnBrk="0" hangingPunct="1">
-              <a:defRPr sz="1800" kern="1200">
-                <a:solidFill>
-                  <a:schemeClr val="tx1"/>
-                </a:solidFill>
-                <a:latin typeface="+mn-lt"/>
-                <a:ea typeface="+mn-ea"/>
-                <a:cs typeface="+mn-cs"/>
-              </a:defRPr>
-            </a:lvl4pPr>
-            <a:lvl5pPr marL="1828800" algn="l" defTabSz="914400" rtl="0" eaLnBrk="1" latinLnBrk="0" hangingPunct="1">
-              <a:defRPr sz="1800" kern="1200">
-                <a:solidFill>
-                  <a:schemeClr val="tx1"/>
-                </a:solidFill>
-                <a:latin typeface="+mn-lt"/>
-                <a:ea typeface="+mn-ea"/>
-                <a:cs typeface="+mn-cs"/>
-              </a:defRPr>
-            </a:lvl5pPr>
-            <a:lvl6pPr marL="2286000" algn="l" defTabSz="914400" rtl="0" eaLnBrk="1" latinLnBrk="0" hangingPunct="1">
-              <a:defRPr sz="1800" kern="1200">
-                <a:solidFill>
-                  <a:schemeClr val="tx1"/>
-                </a:solidFill>
-                <a:latin typeface="+mn-lt"/>
-                <a:ea typeface="+mn-ea"/>
-                <a:cs typeface="+mn-cs"/>
-              </a:defRPr>
-            </a:lvl6pPr>
-            <a:lvl7pPr marL="2743200" algn="l" defTabSz="914400" rtl="0" eaLnBrk="1" latinLnBrk="0" hangingPunct="1">
-              <a:defRPr sz="1800" kern="1200">
-                <a:solidFill>
-                  <a:schemeClr val="tx1"/>
-                </a:solidFill>
-                <a:latin typeface="+mn-lt"/>
-                <a:ea typeface="+mn-ea"/>
-                <a:cs typeface="+mn-cs"/>
-              </a:defRPr>
-            </a:lvl7pPr>
-            <a:lvl8pPr marL="3200400" algn="l" defTabSz="914400" rtl="0" eaLnBrk="1" latinLnBrk="0" hangingPunct="1">
-              <a:defRPr sz="1800" kern="1200">
-                <a:solidFill>
-                  <a:schemeClr val="tx1"/>
-                </a:solidFill>
-                <a:latin typeface="+mn-lt"/>
-                <a:ea typeface="+mn-ea"/>
-                <a:cs typeface="+mn-cs"/>
-              </a:defRPr>
-            </a:lvl8pPr>
-            <a:lvl9pPr marL="3657600" algn="l" defTabSz="914400" rtl="0" eaLnBrk="1" latinLnBrk="0" hangingPunct="1">
-              <a:defRPr sz="1800" kern="1200">
-                <a:solidFill>
-                  <a:schemeClr val="tx1"/>
-                </a:solidFill>
-                <a:latin typeface="+mn-lt"/>
-                <a:ea typeface="+mn-ea"/>
-                <a:cs typeface="+mn-cs"/>
-              </a:defRPr>
-            </a:lvl9pPr>
-          </a:lstStyle>
-          <a:p>
-            <a:pPr marL="285750" lvl="0" indent="-285750">
-              <a:buFont typeface="Arial" panose="020B0604020202020204" pitchFamily="34" charset="0"/>
-              <a:buChar char="•"/>
-            </a:pPr>
-            <a:r>
-              <a:rPr lang="en-IN" b="1" dirty="0">
-                <a:latin typeface="HK Grotesk Bold"/>
-              </a:rPr>
-              <a:t>DELETE /</a:t>
-            </a:r>
-            <a:r>
-              <a:rPr lang="en-IN" b="1" dirty="0" err="1">
-                <a:latin typeface="HK Grotesk Bold"/>
-              </a:rPr>
-              <a:t>api</a:t>
-            </a:r>
-            <a:r>
-              <a:rPr lang="en-IN" b="1" dirty="0">
-                <a:latin typeface="HK Grotesk Bold"/>
-              </a:rPr>
-              <a:t>/tasks/{</a:t>
-            </a:r>
-            <a:r>
-              <a:rPr lang="en-IN" b="1" dirty="0" err="1">
-                <a:latin typeface="HK Grotesk Bold"/>
-              </a:rPr>
-              <a:t>taskId</a:t>
-            </a:r>
-            <a:r>
-              <a:rPr lang="en-IN" b="1" dirty="0">
-                <a:latin typeface="HK Grotesk Bold"/>
-              </a:rPr>
-              <a:t>}– Delete task</a:t>
-            </a:r>
-          </a:p>
-        </p:txBody>
-      </p:sp>
-      <p:pic>
-        <p:nvPicPr>
-          <p:cNvPr id="9" name="Picture 8">
-            <a:extLst>
-              <a:ext uri="{FF2B5EF4-FFF2-40B4-BE49-F238E27FC236}">
-                <a16:creationId xmlns:a16="http://schemas.microsoft.com/office/drawing/2014/main" id="{BDC81DBC-C38E-1322-C31F-EB097015B0D6}"/>
-              </a:ext>
-            </a:extLst>
-          </p:cNvPr>
-          <p:cNvPicPr>
-            <a:picLocks noChangeAspect="1"/>
-          </p:cNvPicPr>
-          <p:nvPr/>
-        </p:nvPicPr>
-        <p:blipFill>
-          <a:blip r:embed="rId3">
-            <a:extLst>
-              <a:ext uri="{28A0092B-C50C-407E-A947-70E740481C1C}">
-                <a14:useLocalDpi xmlns:a14="http://schemas.microsoft.com/office/drawing/2010/main" val="0"/>
-              </a:ext>
-            </a:extLst>
-          </a:blip>
-          <a:srcRect r="-658" b="20966"/>
-          <a:stretch>
-            <a:fillRect/>
-          </a:stretch>
-        </p:blipFill>
-        <p:spPr>
-          <a:xfrm>
-            <a:off x="1473200" y="1747521"/>
-            <a:ext cx="9316720" cy="4114800"/>
-          </a:xfrm>
-          <a:prstGeom prst="rect">
-            <a:avLst/>
-          </a:prstGeom>
-        </p:spPr>
-      </p:pic>
-    </p:spTree>
-    <p:extLst>
-      <p:ext uri="{BB962C8B-B14F-4D97-AF65-F5344CB8AC3E}">
-        <p14:creationId xmlns:p14="http://schemas.microsoft.com/office/powerpoint/2010/main" val="2809923922"/>
       </p:ext>
     </p:extLst>
   </p:cSld>
@@ -7732,7 +8020,7 @@
         </p:nvSpPr>
         <p:spPr>
           <a:xfrm>
-            <a:off x="518171" y="560267"/>
+            <a:off x="498045" y="279122"/>
             <a:ext cx="10102565" cy="553998"/>
           </a:xfrm>
           <a:prstGeom prst="rect">
@@ -7896,8 +8184,8 @@
         </p:nvSpPr>
         <p:spPr>
           <a:xfrm>
-            <a:off x="868925" y="1455134"/>
-            <a:ext cx="6263396" cy="4247317"/>
+            <a:off x="498044" y="924081"/>
+            <a:ext cx="6079737" cy="5262979"/>
           </a:xfrm>
           <a:prstGeom prst="rect">
             <a:avLst/>
@@ -8004,62 +8292,72 @@
             </a:lvl9pPr>
           </a:lstStyle>
           <a:p>
-            <a:pPr marL="285750" lvl="0" indent="-285750">
+            <a:pPr marL="285750" lvl="0" indent="-285750" algn="just">
               <a:buFont typeface="Arial" panose="020B0604020202020204" pitchFamily="34" charset="0"/>
               <a:buChar char="•"/>
             </a:pPr>
             <a:r>
-              <a:rPr lang="en-IN" sz="2800" dirty="0"/>
-              <a:t>Improve task organization and productivity</a:t>
-            </a:r>
-          </a:p>
-          <a:p>
-            <a:pPr marL="285750" lvl="0" indent="-285750">
+              <a:rPr lang="en-US" sz="2400" dirty="0"/>
+              <a:t>To allow users to create, update, and delete tasks easily</a:t>
+            </a:r>
+          </a:p>
+          <a:p>
+            <a:pPr marL="285750" lvl="0" indent="-285750" algn="just">
               <a:buFont typeface="Arial" panose="020B0604020202020204" pitchFamily="34" charset="0"/>
               <a:buChar char="•"/>
             </a:pPr>
             <a:r>
-              <a:rPr lang="en-IN" sz="2800" dirty="0"/>
-              <a:t>Provide clear visibility of tasks</a:t>
-            </a:r>
-          </a:p>
-          <a:p>
-            <a:pPr marL="285750" lvl="0" indent="-285750">
+              <a:rPr lang="en-US" sz="2400" dirty="0"/>
+              <a:t>Track the task status as pending and completed</a:t>
+            </a:r>
+          </a:p>
+          <a:p>
+            <a:pPr marL="285750" lvl="0" indent="-285750" algn="just">
               <a:buFont typeface="Arial" panose="020B0604020202020204" pitchFamily="34" charset="0"/>
               <a:buChar char="•"/>
             </a:pPr>
             <a:r>
-              <a:rPr lang="en-IN" sz="2800" dirty="0"/>
-              <a:t>Enable users to manage tasks efficiently</a:t>
-            </a:r>
-          </a:p>
-          <a:p>
-            <a:pPr marL="285750" lvl="0" indent="-285750">
+              <a:rPr lang="en-US" sz="2400" dirty="0"/>
+              <a:t>To store user and task data securely in a data base</a:t>
+            </a:r>
+            <a:endParaRPr lang="en-IN" sz="2400" dirty="0"/>
+          </a:p>
+          <a:p>
+            <a:pPr marL="285750" lvl="0" indent="-285750" algn="just">
               <a:buFont typeface="Arial" panose="020B0604020202020204" pitchFamily="34" charset="0"/>
               <a:buChar char="•"/>
             </a:pPr>
             <a:r>
-              <a:rPr lang="en-IN" sz="2800" dirty="0"/>
-              <a:t>Demonstrate full-stack development skills</a:t>
-            </a:r>
-          </a:p>
-          <a:p>
-            <a:pPr marL="285750" lvl="0" indent="-285750">
+              <a:rPr lang="en-IN" sz="2400" dirty="0"/>
+              <a:t>Provide clear visibility of tasks</a:t>
+            </a:r>
+          </a:p>
+          <a:p>
+            <a:pPr marL="285750" lvl="0" indent="-285750" algn="just">
               <a:buFont typeface="Arial" panose="020B0604020202020204" pitchFamily="34" charset="0"/>
               <a:buChar char="•"/>
             </a:pPr>
             <a:r>
-              <a:rPr lang="en-IN" sz="2800" dirty="0"/>
-              <a:t>Implement DevOps concepts like Docker and Azure</a:t>
-            </a:r>
-          </a:p>
-          <a:p>
-            <a:endParaRPr lang="en-US" dirty="0">
-              <a:solidFill>
-                <a:srgbClr val="0187CC"/>
-              </a:solidFill>
-              <a:latin typeface="HK Grotesk"/>
-            </a:endParaRPr>
+              <a:rPr lang="en-US" sz="2400" dirty="0"/>
+              <a:t>To demonstrate real-world full-stack development using Angular and Spring Boot.</a:t>
+            </a:r>
+          </a:p>
+          <a:p>
+            <a:pPr marL="285750" lvl="0" indent="-285750" algn="just">
+              <a:buFont typeface="Arial" panose="020B0604020202020204" pitchFamily="34" charset="0"/>
+              <a:buChar char="•"/>
+            </a:pPr>
+            <a:r>
+              <a:rPr lang="en-US" sz="2400" dirty="0"/>
+              <a:t>To deploy the application using modern DevOps tools like Docker and Microsoft Azure.</a:t>
+            </a:r>
+          </a:p>
+          <a:p>
+            <a:pPr marL="285750" lvl="0" indent="-285750" algn="just">
+              <a:buFont typeface="Arial" panose="020B0604020202020204" pitchFamily="34" charset="0"/>
+              <a:buChar char="•"/>
+            </a:pPr>
+            <a:endParaRPr lang="en-IN" sz="2400" dirty="0"/>
           </a:p>
         </p:txBody>
       </p:sp>
@@ -8121,7 +8419,7 @@
         <p:cNvPr id="1" name="">
           <a:extLst>
             <a:ext uri="{FF2B5EF4-FFF2-40B4-BE49-F238E27FC236}">
-              <a16:creationId xmlns:a16="http://schemas.microsoft.com/office/drawing/2014/main" id="{08C274EA-ACFB-5388-3D1D-1181EB23BCD1}"/>
+              <a16:creationId xmlns:a16="http://schemas.microsoft.com/office/drawing/2014/main" id="{46FFD258-2FB3-42A1-A0B2-D80FB556D4C1}"/>
             </a:ext>
           </a:extLst>
         </p:cNvPr>
@@ -8141,7 +8439,7 @@
           <p:cNvPr id="29" name="Rectangle 155">
             <a:extLst>
               <a:ext uri="{FF2B5EF4-FFF2-40B4-BE49-F238E27FC236}">
-                <a16:creationId xmlns:a16="http://schemas.microsoft.com/office/drawing/2014/main" id="{20A154E0-0E68-1CB4-72D3-410E379B7C17}"/>
+                <a16:creationId xmlns:a16="http://schemas.microsoft.com/office/drawing/2014/main" id="{4E18FE46-FADE-E130-8A17-95EC3CA56572}"/>
               </a:ext>
             </a:extLst>
           </p:cNvPr>
@@ -8150,7 +8448,7 @@
         </p:nvSpPr>
         <p:spPr>
           <a:xfrm>
-            <a:off x="834549" y="516275"/>
+            <a:off x="642043" y="452106"/>
             <a:ext cx="10102565" cy="553998"/>
           </a:xfrm>
           <a:prstGeom prst="rect">
@@ -8175,8 +8473,23 @@
                 </a:solidFill>
                 <a:latin typeface="HK Grotesk Bold"/>
               </a:rPr>
-              <a:t>Global Exception </a:t>
-            </a:r>
+              <a:t>REST API </a:t>
+            </a:r>
+            <a:r>
+              <a:rPr lang="en-US" sz="3600" b="1" dirty="0" err="1">
+                <a:solidFill>
+                  <a:srgbClr val="0187CC"/>
+                </a:solidFill>
+                <a:latin typeface="HK Grotesk Bold"/>
+              </a:rPr>
+              <a:t>EndPoints</a:t>
+            </a:r>
+            <a:endParaRPr lang="en-US" sz="3600" b="1" dirty="0">
+              <a:solidFill>
+                <a:srgbClr val="0187CC"/>
+              </a:solidFill>
+              <a:latin typeface="HK Grotesk Bold"/>
+            </a:endParaRPr>
           </a:p>
         </p:txBody>
       </p:sp>
@@ -8185,7 +8498,7 @@
           <p:cNvPr id="2" name="Picture 1" descr="Logo&#10;&#10;Description automatically generated">
             <a:extLst>
               <a:ext uri="{FF2B5EF4-FFF2-40B4-BE49-F238E27FC236}">
-                <a16:creationId xmlns:a16="http://schemas.microsoft.com/office/drawing/2014/main" id="{F622AFED-BECD-1ECE-8E43-5C286E8E08EB}"/>
+                <a16:creationId xmlns:a16="http://schemas.microsoft.com/office/drawing/2014/main" id="{1CB0BBCF-1930-5192-4F3B-F1DA200DE258}"/>
               </a:ext>
             </a:extLst>
           </p:cNvPr>
@@ -8221,7 +8534,7 @@
           <p:cNvPr id="3" name="TextBox 5">
             <a:extLst>
               <a:ext uri="{FF2B5EF4-FFF2-40B4-BE49-F238E27FC236}">
-                <a16:creationId xmlns:a16="http://schemas.microsoft.com/office/drawing/2014/main" id="{BCA28780-8288-B4F3-4D4D-330CD9ACC044}"/>
+                <a16:creationId xmlns:a16="http://schemas.microsoft.com/office/drawing/2014/main" id="{5138F6AB-9BBD-BD0F-196B-71D0BD7BB5ED}"/>
               </a:ext>
             </a:extLst>
           </p:cNvPr>
@@ -8268,7 +8581,7 @@
           <p:cNvPr id="6" name="Slide Number Placeholder 5">
             <a:extLst>
               <a:ext uri="{FF2B5EF4-FFF2-40B4-BE49-F238E27FC236}">
-                <a16:creationId xmlns:a16="http://schemas.microsoft.com/office/drawing/2014/main" id="{AB72A8EA-B1A6-E89C-D720-FCB1EEAD6522}"/>
+                <a16:creationId xmlns:a16="http://schemas.microsoft.com/office/drawing/2014/main" id="{AD174795-BFFE-EF32-B4E4-72101171D3AA}"/>
               </a:ext>
             </a:extLst>
           </p:cNvPr>
@@ -8305,7 +8618,7 @@
           <p:cNvPr id="4" name="TextBox 3">
             <a:extLst>
               <a:ext uri="{FF2B5EF4-FFF2-40B4-BE49-F238E27FC236}">
-                <a16:creationId xmlns:a16="http://schemas.microsoft.com/office/drawing/2014/main" id="{ADC2F2FE-E86D-3EB9-82CA-E75D2A3BC1F9}"/>
+                <a16:creationId xmlns:a16="http://schemas.microsoft.com/office/drawing/2014/main" id="{F456115A-735F-1D6E-4E26-D9C4130A4E63}"/>
               </a:ext>
             </a:extLst>
           </p:cNvPr>
@@ -8314,8 +8627,8 @@
         </p:nvSpPr>
         <p:spPr>
           <a:xfrm>
-            <a:off x="994969" y="1370617"/>
-            <a:ext cx="5019751" cy="3539430"/>
+            <a:off x="774657" y="1181854"/>
+            <a:ext cx="6015431" cy="369332"/>
           </a:xfrm>
           <a:prstGeom prst="rect">
             <a:avLst/>
@@ -8422,63 +8735,49 @@
             </a:lvl9pPr>
           </a:lstStyle>
           <a:p>
-            <a:pPr marL="457200" lvl="0" indent="-457200">
+            <a:pPr marL="285750" lvl="0" indent="-285750">
               <a:buFont typeface="Arial" panose="020B0604020202020204" pitchFamily="34" charset="0"/>
               <a:buChar char="•"/>
             </a:pPr>
             <a:r>
-              <a:rPr lang="en-IN" sz="2800" dirty="0"/>
-              <a:t>Implemented using @ControllerAdvice</a:t>
-            </a:r>
-          </a:p>
-          <a:p>
-            <a:pPr marL="457200" lvl="0" indent="-457200">
-              <a:buFont typeface="Arial" panose="020B0604020202020204" pitchFamily="34" charset="0"/>
-              <a:buChar char="•"/>
-            </a:pPr>
-            <a:r>
-              <a:rPr lang="en-IN" sz="2800" dirty="0"/>
-              <a:t>Handles exceptions globally</a:t>
-            </a:r>
-          </a:p>
-          <a:p>
-            <a:pPr marL="457200" lvl="0" indent="-457200">
-              <a:buFont typeface="Arial" panose="020B0604020202020204" pitchFamily="34" charset="0"/>
-              <a:buChar char="•"/>
-            </a:pPr>
-            <a:r>
-              <a:rPr lang="en-IN" sz="2800" dirty="0"/>
-              <a:t>Provides meaningful error messages</a:t>
-            </a:r>
-          </a:p>
-          <a:p>
-            <a:pPr marL="457200" lvl="0" indent="-457200">
-              <a:buFont typeface="Arial" panose="020B0604020202020204" pitchFamily="34" charset="0"/>
-              <a:buChar char="•"/>
-            </a:pPr>
-            <a:r>
-              <a:rPr lang="en-IN" sz="2800" dirty="0"/>
-              <a:t>Prevents application crash</a:t>
-            </a:r>
-          </a:p>
-          <a:p>
-            <a:pPr marL="457200" lvl="0" indent="-457200">
-              <a:buFont typeface="Arial" panose="020B0604020202020204" pitchFamily="34" charset="0"/>
-              <a:buChar char="•"/>
-            </a:pPr>
-            <a:r>
-              <a:rPr lang="en-IN" sz="2800" dirty="0"/>
-              <a:t>Improves backend reliability and maintainability</a:t>
+              <a:rPr lang="en-IN" b="1" dirty="0">
+                <a:latin typeface="HK Grotesk Bold"/>
+              </a:rPr>
+              <a:t>DELETE /</a:t>
+            </a:r>
+            <a:r>
+              <a:rPr lang="en-IN" b="1" dirty="0" err="1">
+                <a:latin typeface="HK Grotesk Bold"/>
+              </a:rPr>
+              <a:t>api</a:t>
+            </a:r>
+            <a:r>
+              <a:rPr lang="en-IN" b="1" dirty="0">
+                <a:latin typeface="HK Grotesk Bold"/>
+              </a:rPr>
+              <a:t>/tasks/{</a:t>
+            </a:r>
+            <a:r>
+              <a:rPr lang="en-IN" b="1" dirty="0" err="1">
+                <a:latin typeface="HK Grotesk Bold"/>
+              </a:rPr>
+              <a:t>taskId</a:t>
+            </a:r>
+            <a:r>
+              <a:rPr lang="en-IN" b="1" dirty="0">
+                <a:latin typeface="HK Grotesk Bold"/>
+              </a:rPr>
+              <a:t>}– Delete task</a:t>
             </a:r>
           </a:p>
         </p:txBody>
       </p:sp>
       <p:pic>
         <p:nvPicPr>
-          <p:cNvPr id="7" name="Picture 6">
-            <a:extLst>
-              <a:ext uri="{FF2B5EF4-FFF2-40B4-BE49-F238E27FC236}">
-                <a16:creationId xmlns:a16="http://schemas.microsoft.com/office/drawing/2014/main" id="{5978B520-4048-8B25-3845-761D21FD3E72}"/>
+          <p:cNvPr id="9" name="Picture 8">
+            <a:extLst>
+              <a:ext uri="{FF2B5EF4-FFF2-40B4-BE49-F238E27FC236}">
+                <a16:creationId xmlns:a16="http://schemas.microsoft.com/office/drawing/2014/main" id="{BDC81DBC-C38E-1322-C31F-EB097015B0D6}"/>
               </a:ext>
             </a:extLst>
           </p:cNvPr>
@@ -8495,15 +8794,15 @@
               </a:ext>
             </a:extLst>
           </a:blip>
-          <a:srcRect l="4088" t="3460" r="4795" b="5975"/>
+          <a:srcRect r="-658" b="20966"/>
           <a:stretch>
             <a:fillRect/>
           </a:stretch>
         </p:blipFill>
         <p:spPr>
           <a:xfrm>
-            <a:off x="6461760" y="1503680"/>
-            <a:ext cx="4826000" cy="2926080"/>
+            <a:off x="1473200" y="1747521"/>
+            <a:ext cx="9316720" cy="4114800"/>
           </a:xfrm>
           <a:prstGeom prst="rect">
             <a:avLst/>
@@ -8513,7 +8812,7 @@
     </p:spTree>
     <p:extLst>
       <p:ext uri="{BB962C8B-B14F-4D97-AF65-F5344CB8AC3E}">
-        <p14:creationId xmlns:p14="http://schemas.microsoft.com/office/powerpoint/2010/main" val="753188705"/>
+        <p14:creationId xmlns:p14="http://schemas.microsoft.com/office/powerpoint/2010/main" val="2809923922"/>
       </p:ext>
     </p:extLst>
   </p:cSld>
@@ -9261,25 +9560,17 @@
             </a:lvl9pPr>
           </a:lstStyle>
           <a:p>
-            <a:pPr marL="285750" lvl="0" indent="-285750">
+            <a:pPr marL="285750" lvl="0" indent="-285750" algn="just">
               <a:buFont typeface="Arial" panose="020B0604020202020204" pitchFamily="34" charset="0"/>
               <a:buChar char="•"/>
             </a:pPr>
             <a:r>
               <a:rPr lang="en-IN" sz="2800" dirty="0"/>
-              <a:t>Created </a:t>
-            </a:r>
-            <a:r>
-              <a:rPr lang="en-IN" sz="2800" dirty="0" err="1"/>
-              <a:t>Dockerfile</a:t>
-            </a:r>
-            <a:r>
-              <a:rPr lang="en-IN" sz="2800" dirty="0"/>
-              <a:t> for backend</a:t>
-            </a:r>
-          </a:p>
-          <a:p>
-            <a:pPr marL="285750" lvl="0" indent="-285750">
+              <a:t>Created Docker file for backend</a:t>
+            </a:r>
+          </a:p>
+          <a:p>
+            <a:pPr marL="285750" lvl="0" indent="-285750" algn="just">
               <a:buFont typeface="Arial" panose="020B0604020202020204" pitchFamily="34" charset="0"/>
               <a:buChar char="•"/>
             </a:pPr>
@@ -9289,7 +9580,7 @@
             </a:r>
           </a:p>
           <a:p>
-            <a:pPr marL="285750" lvl="0" indent="-285750">
+            <a:pPr marL="285750" lvl="0" indent="-285750" algn="just">
               <a:buFont typeface="Arial" panose="020B0604020202020204" pitchFamily="34" charset="0"/>
               <a:buChar char="•"/>
             </a:pPr>
@@ -9299,7 +9590,7 @@
             </a:r>
           </a:p>
           <a:p>
-            <a:pPr marL="285750" lvl="0" indent="-285750">
+            <a:pPr marL="285750" lvl="0" indent="-285750" algn="just">
               <a:buFont typeface="Arial" panose="020B0604020202020204" pitchFamily="34" charset="0"/>
               <a:buChar char="•"/>
             </a:pPr>
@@ -9309,7 +9600,7 @@
             </a:r>
           </a:p>
           <a:p>
-            <a:pPr marL="285750" lvl="0" indent="-285750">
+            <a:pPr marL="285750" lvl="0" indent="-285750" algn="just">
               <a:buFont typeface="Arial" panose="020B0604020202020204" pitchFamily="34" charset="0"/>
               <a:buChar char="•"/>
             </a:pPr>
@@ -12804,7 +13095,7 @@
         </p:nvSpPr>
         <p:spPr>
           <a:xfrm>
-            <a:off x="802465" y="532317"/>
+            <a:off x="754396" y="245328"/>
             <a:ext cx="10102565" cy="553998"/>
           </a:xfrm>
           <a:prstGeom prst="rect">
@@ -12968,8 +13259,8 @@
         </p:nvSpPr>
         <p:spPr>
           <a:xfrm>
-            <a:off x="1043096" y="1450826"/>
-            <a:ext cx="6759784" cy="4401205"/>
+            <a:off x="650240" y="998542"/>
+            <a:ext cx="6759784" cy="5016758"/>
           </a:xfrm>
           <a:prstGeom prst="rect">
             <a:avLst/>
@@ -13076,64 +13367,57 @@
             </a:lvl9pPr>
           </a:lstStyle>
           <a:p>
-            <a:pPr marL="342900" lvl="0" indent="-342900">
+            <a:pPr marL="342900" lvl="0" indent="-342900" algn="just">
               <a:buFont typeface="Arial" panose="020B0604020202020204" pitchFamily="34" charset="0"/>
               <a:buChar char="•"/>
             </a:pPr>
             <a:r>
-              <a:rPr lang="en-IN" sz="2800" dirty="0"/>
-              <a:t>Angular frontend communicates with backend using REST APIs</a:t>
-            </a:r>
-          </a:p>
-          <a:p>
-            <a:pPr marL="342900" lvl="0" indent="-342900">
+              <a:rPr lang="en-US" sz="2000" dirty="0"/>
+              <a:t>This project follows a client–server architecture where the Angular frontend acts as the client and the Spring Boot application acts as the server. </a:t>
+            </a:r>
+          </a:p>
+          <a:p>
+            <a:pPr lvl="0" algn="just"/>
+            <a:endParaRPr lang="en-US" sz="2000" dirty="0"/>
+          </a:p>
+          <a:p>
+            <a:pPr marL="342900" lvl="0" indent="-342900" algn="just">
               <a:buFont typeface="Arial" panose="020B0604020202020204" pitchFamily="34" charset="0"/>
               <a:buChar char="•"/>
             </a:pPr>
             <a:r>
-              <a:rPr lang="en-IN" sz="2800" dirty="0"/>
-              <a:t>Spring Boot backend handles business logic</a:t>
-            </a:r>
-          </a:p>
-          <a:p>
-            <a:pPr marL="342900" lvl="0" indent="-342900">
+              <a:rPr lang="en-US" sz="2000" dirty="0"/>
+              <a:t>The communication between them is handled using REST APIs over HTTP.</a:t>
+            </a:r>
+          </a:p>
+          <a:p>
+            <a:pPr lvl="0" algn="just"/>
+            <a:endParaRPr lang="en-US" sz="2000" dirty="0"/>
+          </a:p>
+          <a:p>
+            <a:pPr marL="342900" lvl="0" indent="-342900" algn="just">
               <a:buFont typeface="Arial" panose="020B0604020202020204" pitchFamily="34" charset="0"/>
               <a:buChar char="•"/>
             </a:pPr>
             <a:r>
-              <a:rPr lang="en-IN" sz="2800" dirty="0"/>
-              <a:t>Spring Data JPA manages database operations</a:t>
-            </a:r>
-          </a:p>
-          <a:p>
-            <a:pPr marL="342900" lvl="0" indent="-342900">
+              <a:rPr lang="en-US" sz="2000" dirty="0"/>
+              <a:t>Internally, the backend uses a layered architecture with controller, service, and repository layers, along with Spring Data JPA for database interaction.</a:t>
+            </a:r>
+          </a:p>
+          <a:p>
+            <a:pPr lvl="0" algn="just"/>
+            <a:endParaRPr lang="en-US" sz="2000" dirty="0"/>
+          </a:p>
+          <a:p>
+            <a:pPr marL="342900" lvl="0" indent="-342900" algn="just">
               <a:buFont typeface="Arial" panose="020B0604020202020204" pitchFamily="34" charset="0"/>
               <a:buChar char="•"/>
             </a:pPr>
             <a:r>
-              <a:rPr lang="en-IN" sz="2800" dirty="0"/>
-              <a:t>MySQL stores user and task data</a:t>
-            </a:r>
-          </a:p>
-          <a:p>
-            <a:pPr marL="342900" lvl="0" indent="-342900">
-              <a:buFont typeface="Arial" panose="020B0604020202020204" pitchFamily="34" charset="0"/>
-              <a:buChar char="•"/>
-            </a:pPr>
-            <a:r>
-              <a:rPr lang="en-IN" sz="2800" dirty="0"/>
-              <a:t>Docker containerizes the backend</a:t>
-            </a:r>
-          </a:p>
-          <a:p>
-            <a:pPr marL="342900" lvl="0" indent="-342900">
-              <a:buFont typeface="Arial" panose="020B0604020202020204" pitchFamily="34" charset="0"/>
-              <a:buChar char="•"/>
-            </a:pPr>
-            <a:r>
-              <a:rPr lang="en-IN" sz="2800" dirty="0"/>
-              <a:t>Azure hosts the containerized application</a:t>
-            </a:r>
+              <a:rPr lang="en-US" sz="2000" dirty="0"/>
+              <a:t>The application is containerized using Docker to ensure environment consistency, and it is deployed on Azure using App Service with CI/CD enabled through GitHub Actions. This overall mechanism makes the application scalable, modular, and cloud-ready.</a:t>
+            </a:r>
+            <a:endParaRPr lang="en-IN" sz="2000" dirty="0"/>
           </a:p>
         </p:txBody>
       </p:sp>
@@ -13166,8 +13450,8 @@
         </p:blipFill>
         <p:spPr>
           <a:xfrm>
-            <a:off x="7582746" y="1107439"/>
-            <a:ext cx="3959014" cy="4820299"/>
+            <a:off x="7678994" y="1107439"/>
+            <a:ext cx="4140519" cy="4791916"/>
           </a:xfrm>
           <a:prstGeom prst="rect">
             <a:avLst/>
@@ -13389,7 +13673,7 @@
         <p:spPr>
           <a:xfrm>
             <a:off x="1074353" y="1373428"/>
-            <a:ext cx="6590712" cy="3385542"/>
+            <a:ext cx="6590712" cy="3108543"/>
           </a:xfrm>
           <a:prstGeom prst="rect">
             <a:avLst/>
@@ -13569,14 +13853,6 @@
               <a:rPr lang="en-IN" sz="2800" dirty="0"/>
               <a:t>Sort tasks by due date</a:t>
             </a:r>
-          </a:p>
-          <a:p>
-            <a:endParaRPr lang="en-US" dirty="0">
-              <a:solidFill>
-                <a:srgbClr val="0187CC"/>
-              </a:solidFill>
-              <a:latin typeface="HK Grotesk"/>
-            </a:endParaRPr>
           </a:p>
         </p:txBody>
       </p:sp>
@@ -13601,7 +13877,7 @@
         <p:cNvPr id="1" name="">
           <a:extLst>
             <a:ext uri="{FF2B5EF4-FFF2-40B4-BE49-F238E27FC236}">
-              <a16:creationId xmlns:a16="http://schemas.microsoft.com/office/drawing/2014/main" id="{17622F59-3513-F709-75D4-4A372F99EC67}"/>
+              <a16:creationId xmlns:a16="http://schemas.microsoft.com/office/drawing/2014/main" id="{09F5D9E1-4E6E-0A3E-3561-32BF3B85AF48}"/>
             </a:ext>
           </a:extLst>
         </p:cNvPr>
@@ -13621,7 +13897,7 @@
           <p:cNvPr id="29" name="Rectangle 155">
             <a:extLst>
               <a:ext uri="{FF2B5EF4-FFF2-40B4-BE49-F238E27FC236}">
-                <a16:creationId xmlns:a16="http://schemas.microsoft.com/office/drawing/2014/main" id="{C16B8CFA-75AD-C948-F558-D94CDC8B074A}"/>
+                <a16:creationId xmlns:a16="http://schemas.microsoft.com/office/drawing/2014/main" id="{ECE95788-F5CE-A12B-742D-DCD94526C38F}"/>
               </a:ext>
             </a:extLst>
           </p:cNvPr>
@@ -13630,7 +13906,7 @@
         </p:nvSpPr>
         <p:spPr>
           <a:xfrm>
-            <a:off x="722253" y="484191"/>
+            <a:off x="754339" y="468149"/>
             <a:ext cx="10102565" cy="553998"/>
           </a:xfrm>
           <a:prstGeom prst="rect">
@@ -13655,7 +13931,7 @@
                 </a:solidFill>
                 <a:latin typeface="HK Grotesk Bold"/>
               </a:rPr>
-              <a:t>Frontend Implementation</a:t>
+              <a:t>Backend and Frontend Versions</a:t>
             </a:r>
           </a:p>
         </p:txBody>
@@ -13665,7 +13941,7 @@
           <p:cNvPr id="2" name="Picture 1" descr="Logo&#10;&#10;Description automatically generated">
             <a:extLst>
               <a:ext uri="{FF2B5EF4-FFF2-40B4-BE49-F238E27FC236}">
-                <a16:creationId xmlns:a16="http://schemas.microsoft.com/office/drawing/2014/main" id="{1BF30C1A-3399-73B9-412D-F32FEAD465D8}"/>
+                <a16:creationId xmlns:a16="http://schemas.microsoft.com/office/drawing/2014/main" id="{70E4FCF3-0445-1620-D5EF-FF3CDB47174A}"/>
               </a:ext>
             </a:extLst>
           </p:cNvPr>
@@ -13701,7 +13977,7 @@
           <p:cNvPr id="3" name="TextBox 5">
             <a:extLst>
               <a:ext uri="{FF2B5EF4-FFF2-40B4-BE49-F238E27FC236}">
-                <a16:creationId xmlns:a16="http://schemas.microsoft.com/office/drawing/2014/main" id="{5E654D44-2C57-B42C-5EFD-2B535114383D}"/>
+                <a16:creationId xmlns:a16="http://schemas.microsoft.com/office/drawing/2014/main" id="{883035D1-4CB6-0F82-F2A4-D5A63C04B18B}"/>
               </a:ext>
             </a:extLst>
           </p:cNvPr>
@@ -13748,7 +14024,7 @@
           <p:cNvPr id="6" name="Slide Number Placeholder 5">
             <a:extLst>
               <a:ext uri="{FF2B5EF4-FFF2-40B4-BE49-F238E27FC236}">
-                <a16:creationId xmlns:a16="http://schemas.microsoft.com/office/drawing/2014/main" id="{8D490440-F5BA-2004-8132-73A6F866BBE8}"/>
+                <a16:creationId xmlns:a16="http://schemas.microsoft.com/office/drawing/2014/main" id="{4542E9B8-7F50-883B-2F9C-E8B886CE50D8}"/>
               </a:ext>
             </a:extLst>
           </p:cNvPr>
@@ -13780,12 +14056,43 @@
           </a:p>
         </p:txBody>
       </p:sp>
-      <p:sp>
-        <p:nvSpPr>
-          <p:cNvPr id="4" name="TextBox 3">
-            <a:extLst>
-              <a:ext uri="{FF2B5EF4-FFF2-40B4-BE49-F238E27FC236}">
-                <a16:creationId xmlns:a16="http://schemas.microsoft.com/office/drawing/2014/main" id="{50864C3D-EFFA-BCF2-5018-AFD1C1A9222C}"/>
+      <p:pic>
+        <p:nvPicPr>
+          <p:cNvPr id="4" name="Picture 3">
+            <a:extLst>
+              <a:ext uri="{FF2B5EF4-FFF2-40B4-BE49-F238E27FC236}">
+                <a16:creationId xmlns:a16="http://schemas.microsoft.com/office/drawing/2014/main" id="{2D534CAC-682B-0340-8F24-ED4F90931424}"/>
+              </a:ext>
+            </a:extLst>
+          </p:cNvPr>
+          <p:cNvPicPr>
+            <a:picLocks noChangeAspect="1"/>
+          </p:cNvPicPr>
+          <p:nvPr/>
+        </p:nvPicPr>
+        <p:blipFill>
+          <a:blip r:embed="rId3"/>
+          <a:srcRect r="39894"/>
+          <a:stretch>
+            <a:fillRect/>
+          </a:stretch>
+        </p:blipFill>
+        <p:spPr>
+          <a:xfrm>
+            <a:off x="5224675" y="1308073"/>
+            <a:ext cx="6259403" cy="4720937"/>
+          </a:xfrm>
+          <a:prstGeom prst="rect">
+            <a:avLst/>
+          </a:prstGeom>
+        </p:spPr>
+      </p:pic>
+      <p:sp>
+        <p:nvSpPr>
+          <p:cNvPr id="5" name="TextBox 4">
+            <a:extLst>
+              <a:ext uri="{FF2B5EF4-FFF2-40B4-BE49-F238E27FC236}">
+                <a16:creationId xmlns:a16="http://schemas.microsoft.com/office/drawing/2014/main" id="{FDA0F35E-98B9-C229-B010-15EC1B400573}"/>
               </a:ext>
             </a:extLst>
           </p:cNvPr>
@@ -13794,8 +14101,8 @@
         </p:nvSpPr>
         <p:spPr>
           <a:xfrm>
-            <a:off x="834547" y="1386658"/>
-            <a:ext cx="9528651" cy="2677656"/>
+            <a:off x="557305" y="1485428"/>
+            <a:ext cx="4587451" cy="1231106"/>
           </a:xfrm>
           <a:prstGeom prst="rect">
             <a:avLst/>
@@ -13806,172 +14113,33 @@
           <a:bodyPr wrap="square" rtlCol="0">
             <a:spAutoFit/>
           </a:bodyPr>
-          <a:lstStyle>
-            <a:defPPr>
-              <a:defRPr lang="en-US"/>
-            </a:defPPr>
-            <a:lvl1pPr marL="0" algn="l" defTabSz="914400" rtl="0" eaLnBrk="1" latinLnBrk="0" hangingPunct="1">
-              <a:defRPr sz="1800" kern="1200">
-                <a:solidFill>
-                  <a:schemeClr val="tx1"/>
-                </a:solidFill>
-                <a:latin typeface="+mn-lt"/>
-                <a:ea typeface="+mn-ea"/>
-                <a:cs typeface="+mn-cs"/>
-              </a:defRPr>
-            </a:lvl1pPr>
-            <a:lvl2pPr marL="457200" algn="l" defTabSz="914400" rtl="0" eaLnBrk="1" latinLnBrk="0" hangingPunct="1">
-              <a:defRPr sz="1800" kern="1200">
-                <a:solidFill>
-                  <a:schemeClr val="tx1"/>
-                </a:solidFill>
-                <a:latin typeface="+mn-lt"/>
-                <a:ea typeface="+mn-ea"/>
-                <a:cs typeface="+mn-cs"/>
-              </a:defRPr>
-            </a:lvl2pPr>
-            <a:lvl3pPr marL="914400" algn="l" defTabSz="914400" rtl="0" eaLnBrk="1" latinLnBrk="0" hangingPunct="1">
-              <a:defRPr sz="1800" kern="1200">
-                <a:solidFill>
-                  <a:schemeClr val="tx1"/>
-                </a:solidFill>
-                <a:latin typeface="+mn-lt"/>
-                <a:ea typeface="+mn-ea"/>
-                <a:cs typeface="+mn-cs"/>
-              </a:defRPr>
-            </a:lvl3pPr>
-            <a:lvl4pPr marL="1371600" algn="l" defTabSz="914400" rtl="0" eaLnBrk="1" latinLnBrk="0" hangingPunct="1">
-              <a:defRPr sz="1800" kern="1200">
-                <a:solidFill>
-                  <a:schemeClr val="tx1"/>
-                </a:solidFill>
-                <a:latin typeface="+mn-lt"/>
-                <a:ea typeface="+mn-ea"/>
-                <a:cs typeface="+mn-cs"/>
-              </a:defRPr>
-            </a:lvl4pPr>
-            <a:lvl5pPr marL="1828800" algn="l" defTabSz="914400" rtl="0" eaLnBrk="1" latinLnBrk="0" hangingPunct="1">
-              <a:defRPr sz="1800" kern="1200">
-                <a:solidFill>
-                  <a:schemeClr val="tx1"/>
-                </a:solidFill>
-                <a:latin typeface="+mn-lt"/>
-                <a:ea typeface="+mn-ea"/>
-                <a:cs typeface="+mn-cs"/>
-              </a:defRPr>
-            </a:lvl5pPr>
-            <a:lvl6pPr marL="2286000" algn="l" defTabSz="914400" rtl="0" eaLnBrk="1" latinLnBrk="0" hangingPunct="1">
-              <a:defRPr sz="1800" kern="1200">
-                <a:solidFill>
-                  <a:schemeClr val="tx1"/>
-                </a:solidFill>
-                <a:latin typeface="+mn-lt"/>
-                <a:ea typeface="+mn-ea"/>
-                <a:cs typeface="+mn-cs"/>
-              </a:defRPr>
-            </a:lvl6pPr>
-            <a:lvl7pPr marL="2743200" algn="l" defTabSz="914400" rtl="0" eaLnBrk="1" latinLnBrk="0" hangingPunct="1">
-              <a:defRPr sz="1800" kern="1200">
-                <a:solidFill>
-                  <a:schemeClr val="tx1"/>
-                </a:solidFill>
-                <a:latin typeface="+mn-lt"/>
-                <a:ea typeface="+mn-ea"/>
-                <a:cs typeface="+mn-cs"/>
-              </a:defRPr>
-            </a:lvl7pPr>
-            <a:lvl8pPr marL="3200400" algn="l" defTabSz="914400" rtl="0" eaLnBrk="1" latinLnBrk="0" hangingPunct="1">
-              <a:defRPr sz="1800" kern="1200">
-                <a:solidFill>
-                  <a:schemeClr val="tx1"/>
-                </a:solidFill>
-                <a:latin typeface="+mn-lt"/>
-                <a:ea typeface="+mn-ea"/>
-                <a:cs typeface="+mn-cs"/>
-              </a:defRPr>
-            </a:lvl8pPr>
-            <a:lvl9pPr marL="3657600" algn="l" defTabSz="914400" rtl="0" eaLnBrk="1" latinLnBrk="0" hangingPunct="1">
-              <a:defRPr sz="1800" kern="1200">
-                <a:solidFill>
-                  <a:schemeClr val="tx1"/>
-                </a:solidFill>
-                <a:latin typeface="+mn-lt"/>
-                <a:ea typeface="+mn-ea"/>
-                <a:cs typeface="+mn-cs"/>
-              </a:defRPr>
-            </a:lvl9pPr>
-          </a:lstStyle>
-          <a:p>
-            <a:pPr marL="457200" lvl="0" indent="-457200">
-              <a:buFont typeface="Arial" panose="020B0604020202020204" pitchFamily="34" charset="0"/>
-              <a:buChar char="•"/>
-            </a:pPr>
-            <a:r>
-              <a:rPr lang="en-IN" sz="2800" dirty="0"/>
-              <a:t>Developed using Angular</a:t>
-            </a:r>
-          </a:p>
-          <a:p>
-            <a:pPr marL="457200" lvl="0" indent="-457200">
-              <a:buFont typeface="Arial" panose="020B0604020202020204" pitchFamily="34" charset="0"/>
-              <a:buChar char="•"/>
-            </a:pPr>
-            <a:r>
-              <a:rPr lang="en-IN" sz="2800" dirty="0"/>
-              <a:t>Responsive UI with clean layout</a:t>
-            </a:r>
-          </a:p>
-          <a:p>
-            <a:pPr marL="457200" lvl="0" indent="-457200">
-              <a:buFont typeface="Arial" panose="020B0604020202020204" pitchFamily="34" charset="0"/>
-              <a:buChar char="•"/>
-            </a:pPr>
-            <a:r>
-              <a:rPr lang="en-IN" sz="2800" dirty="0"/>
-              <a:t>Forms for task creation and update</a:t>
-            </a:r>
-          </a:p>
-          <a:p>
-            <a:pPr marL="457200" lvl="0" indent="-457200">
-              <a:buFont typeface="Arial" panose="020B0604020202020204" pitchFamily="34" charset="0"/>
-              <a:buChar char="•"/>
-            </a:pPr>
-            <a:r>
-              <a:rPr lang="en-IN" sz="2800" dirty="0"/>
-              <a:t>Filters for task status</a:t>
-            </a:r>
-          </a:p>
-          <a:p>
-            <a:pPr marL="457200" lvl="0" indent="-457200">
-              <a:buFont typeface="Arial" panose="020B0604020202020204" pitchFamily="34" charset="0"/>
-              <a:buChar char="•"/>
-            </a:pPr>
-            <a:r>
-              <a:rPr lang="en-IN" sz="2800" dirty="0"/>
-              <a:t>Theme toggle (Light / Dark mode)</a:t>
-            </a:r>
-          </a:p>
-          <a:p>
-            <a:pPr marL="457200" lvl="0" indent="-457200">
-              <a:buFont typeface="Arial" panose="020B0604020202020204" pitchFamily="34" charset="0"/>
-              <a:buChar char="•"/>
-            </a:pPr>
-            <a:r>
-              <a:rPr lang="en-IN" sz="2800" dirty="0"/>
-              <a:t>Communicates with backend using </a:t>
-            </a:r>
-            <a:r>
-              <a:rPr lang="en-IN" sz="2800" dirty="0" err="1"/>
-              <a:t>HttpClient</a:t>
-            </a:r>
-            <a:endParaRPr lang="en-IN" sz="2800" dirty="0"/>
+          <a:lstStyle/>
+          <a:p>
+            <a:pPr algn="just"/>
+            <a:r>
+              <a:rPr lang="en-IN" dirty="0"/>
+              <a:t>This </a:t>
+            </a:r>
+            <a:r>
+              <a:rPr lang="en-US" dirty="0"/>
+              <a:t>picture represents the backend and frontend tool versions used in our project to ensure stability, </a:t>
+            </a:r>
+            <a:r>
+              <a:rPr lang="en-US" sz="2000" dirty="0"/>
+              <a:t>compatibility</a:t>
+            </a:r>
+            <a:r>
+              <a:rPr lang="en-US" dirty="0"/>
+              <a:t>, and smooth deployment.</a:t>
+            </a:r>
+            <a:endParaRPr lang="en-IN" dirty="0"/>
           </a:p>
         </p:txBody>
       </p:sp>
     </p:spTree>
     <p:extLst>
       <p:ext uri="{BB962C8B-B14F-4D97-AF65-F5344CB8AC3E}">
-        <p14:creationId xmlns:p14="http://schemas.microsoft.com/office/powerpoint/2010/main" val="3454202031"/>
+        <p14:creationId xmlns:p14="http://schemas.microsoft.com/office/powerpoint/2010/main" val="3495090114"/>
       </p:ext>
     </p:extLst>
   </p:cSld>
@@ -14196,7 +14364,7 @@
           </a:bodyPr>
           <a:lstStyle/>
           <a:p>
-            <a:pPr marL="285750" indent="-285750">
+            <a:pPr marL="285750" indent="-285750" algn="just">
               <a:buFont typeface="Arial" panose="020B0604020202020204" pitchFamily="34" charset="0"/>
               <a:buChar char="•"/>
             </a:pPr>
@@ -14206,7 +14374,7 @@
             </a:r>
           </a:p>
           <a:p>
-            <a:pPr marL="285750" indent="-285750">
+            <a:pPr marL="285750" indent="-285750" algn="just">
               <a:buFont typeface="Arial" panose="020B0604020202020204" pitchFamily="34" charset="0"/>
               <a:buChar char="•"/>
             </a:pPr>
@@ -14216,7 +14384,7 @@
             </a:r>
           </a:p>
           <a:p>
-            <a:pPr marL="285750" indent="-285750">
+            <a:pPr marL="285750" indent="-285750" algn="just">
               <a:buFont typeface="Arial" panose="020B0604020202020204" pitchFamily="34" charset="0"/>
               <a:buChar char="•"/>
             </a:pPr>
@@ -14226,7 +14394,7 @@
             </a:r>
           </a:p>
           <a:p>
-            <a:pPr marL="285750" indent="-285750">
+            <a:pPr marL="285750" indent="-285750" algn="just">
               <a:buFont typeface="Arial" panose="020B0604020202020204" pitchFamily="34" charset="0"/>
               <a:buChar char="•"/>
             </a:pPr>
@@ -14236,7 +14404,7 @@
             </a:r>
           </a:p>
           <a:p>
-            <a:pPr marL="285750" indent="-285750">
+            <a:pPr marL="285750" indent="-285750" algn="just">
               <a:buFont typeface="Arial" panose="020B0604020202020204" pitchFamily="34" charset="0"/>
               <a:buChar char="•"/>
             </a:pPr>
@@ -14246,7 +14414,7 @@
             </a:r>
           </a:p>
           <a:p>
-            <a:pPr marL="285750" indent="-285750">
+            <a:pPr marL="285750" indent="-285750" algn="just">
               <a:buFont typeface="Arial" panose="020B0604020202020204" pitchFamily="34" charset="0"/>
               <a:buChar char="•"/>
             </a:pPr>
@@ -14314,7 +14482,7 @@
         <p:cNvPr id="1" name="">
           <a:extLst>
             <a:ext uri="{FF2B5EF4-FFF2-40B4-BE49-F238E27FC236}">
-              <a16:creationId xmlns:a16="http://schemas.microsoft.com/office/drawing/2014/main" id="{09F5D9E1-4E6E-0A3E-3561-32BF3B85AF48}"/>
+              <a16:creationId xmlns:a16="http://schemas.microsoft.com/office/drawing/2014/main" id="{F5A4B452-8932-2445-9144-BC337AF49848}"/>
             </a:ext>
           </a:extLst>
         </p:cNvPr>
@@ -14334,7 +14502,7 @@
           <p:cNvPr id="29" name="Rectangle 155">
             <a:extLst>
               <a:ext uri="{FF2B5EF4-FFF2-40B4-BE49-F238E27FC236}">
-                <a16:creationId xmlns:a16="http://schemas.microsoft.com/office/drawing/2014/main" id="{ECE95788-F5CE-A12B-742D-DCD94526C38F}"/>
+                <a16:creationId xmlns:a16="http://schemas.microsoft.com/office/drawing/2014/main" id="{30ECA3F2-75AD-2207-1F29-EBC258AB6853}"/>
               </a:ext>
             </a:extLst>
           </p:cNvPr>
@@ -14368,7 +14536,7 @@
                 </a:solidFill>
                 <a:latin typeface="HK Grotesk Bold"/>
               </a:rPr>
-              <a:t>Backend and Frontend Versions</a:t>
+              <a:t>Backend Implementation</a:t>
             </a:r>
           </a:p>
         </p:txBody>
@@ -14378,7 +14546,7 @@
           <p:cNvPr id="2" name="Picture 1" descr="Logo&#10;&#10;Description automatically generated">
             <a:extLst>
               <a:ext uri="{FF2B5EF4-FFF2-40B4-BE49-F238E27FC236}">
-                <a16:creationId xmlns:a16="http://schemas.microsoft.com/office/drawing/2014/main" id="{70E4FCF3-0445-1620-D5EF-FF3CDB47174A}"/>
+                <a16:creationId xmlns:a16="http://schemas.microsoft.com/office/drawing/2014/main" id="{842C4C0C-A266-B06B-8A16-E1829CE2A6C3}"/>
               </a:ext>
             </a:extLst>
           </p:cNvPr>
@@ -14414,7 +14582,7 @@
           <p:cNvPr id="3" name="TextBox 5">
             <a:extLst>
               <a:ext uri="{FF2B5EF4-FFF2-40B4-BE49-F238E27FC236}">
-                <a16:creationId xmlns:a16="http://schemas.microsoft.com/office/drawing/2014/main" id="{883035D1-4CB6-0F82-F2A4-D5A63C04B18B}"/>
+                <a16:creationId xmlns:a16="http://schemas.microsoft.com/office/drawing/2014/main" id="{585D5171-F146-F699-2CDF-E4833C4429F0}"/>
               </a:ext>
             </a:extLst>
           </p:cNvPr>
@@ -14461,7 +14629,7 @@
           <p:cNvPr id="6" name="Slide Number Placeholder 5">
             <a:extLst>
               <a:ext uri="{FF2B5EF4-FFF2-40B4-BE49-F238E27FC236}">
-                <a16:creationId xmlns:a16="http://schemas.microsoft.com/office/drawing/2014/main" id="{4542E9B8-7F50-883B-2F9C-E8B886CE50D8}"/>
+                <a16:creationId xmlns:a16="http://schemas.microsoft.com/office/drawing/2014/main" id="{C59841DE-95CD-9C53-CB3D-71665376B2FB}"/>
               </a:ext>
             </a:extLst>
           </p:cNvPr>
@@ -14495,10 +14663,10 @@
       </p:sp>
       <p:pic>
         <p:nvPicPr>
-          <p:cNvPr id="4" name="Picture 3">
-            <a:extLst>
-              <a:ext uri="{FF2B5EF4-FFF2-40B4-BE49-F238E27FC236}">
-                <a16:creationId xmlns:a16="http://schemas.microsoft.com/office/drawing/2014/main" id="{2D534CAC-682B-0340-8F24-ED4F90931424}"/>
+          <p:cNvPr id="5" name="Picture 4">
+            <a:extLst>
+              <a:ext uri="{FF2B5EF4-FFF2-40B4-BE49-F238E27FC236}">
+                <a16:creationId xmlns:a16="http://schemas.microsoft.com/office/drawing/2014/main" id="{917DBC6B-8F9C-1A66-9F65-A37476D1B0D7}"/>
               </a:ext>
             </a:extLst>
           </p:cNvPr>
@@ -14515,8 +14683,8 @@
         </p:blipFill>
         <p:spPr>
           <a:xfrm>
-            <a:off x="1288322" y="1253975"/>
-            <a:ext cx="9098611" cy="4241852"/>
+            <a:off x="1382593" y="1450290"/>
+            <a:ext cx="8339638" cy="4441462"/>
           </a:xfrm>
           <a:prstGeom prst="rect">
             <a:avLst/>
@@ -14526,7 +14694,7 @@
     </p:spTree>
     <p:extLst>
       <p:ext uri="{BB962C8B-B14F-4D97-AF65-F5344CB8AC3E}">
-        <p14:creationId xmlns:p14="http://schemas.microsoft.com/office/powerpoint/2010/main" val="3495090114"/>
+        <p14:creationId xmlns:p14="http://schemas.microsoft.com/office/powerpoint/2010/main" val="4086853968"/>
       </p:ext>
     </p:extLst>
   </p:cSld>
@@ -14544,7 +14712,7 @@
         <p:cNvPr id="1" name="">
           <a:extLst>
             <a:ext uri="{FF2B5EF4-FFF2-40B4-BE49-F238E27FC236}">
-              <a16:creationId xmlns:a16="http://schemas.microsoft.com/office/drawing/2014/main" id="{6183B598-CEB1-970A-1554-0A1972BF8ED5}"/>
+              <a16:creationId xmlns:a16="http://schemas.microsoft.com/office/drawing/2014/main" id="{300849CC-EFF8-CADE-EE5F-E943F085C5D8}"/>
             </a:ext>
           </a:extLst>
         </p:cNvPr>
@@ -14564,7 +14732,7 @@
           <p:cNvPr id="29" name="Rectangle 155">
             <a:extLst>
               <a:ext uri="{FF2B5EF4-FFF2-40B4-BE49-F238E27FC236}">
-                <a16:creationId xmlns:a16="http://schemas.microsoft.com/office/drawing/2014/main" id="{B5C279F6-E2F0-A4A7-BFE7-B1872E5A9758}"/>
+                <a16:creationId xmlns:a16="http://schemas.microsoft.com/office/drawing/2014/main" id="{B63CFF7E-83E4-E354-2F4E-039451AB5E68}"/>
               </a:ext>
             </a:extLst>
           </p:cNvPr>
@@ -14573,7 +14741,7 @@
         </p:nvSpPr>
         <p:spPr>
           <a:xfrm>
-            <a:off x="722253" y="484191"/>
+            <a:off x="754339" y="468149"/>
             <a:ext cx="10102565" cy="553998"/>
           </a:xfrm>
           <a:prstGeom prst="rect">
@@ -14598,7 +14766,7 @@
                 </a:solidFill>
                 <a:latin typeface="HK Grotesk Bold"/>
               </a:rPr>
-              <a:t>Frontend Implementation</a:t>
+              <a:t>Backend Implementation</a:t>
             </a:r>
           </a:p>
         </p:txBody>
@@ -14608,7 +14776,7 @@
           <p:cNvPr id="2" name="Picture 1" descr="Logo&#10;&#10;Description automatically generated">
             <a:extLst>
               <a:ext uri="{FF2B5EF4-FFF2-40B4-BE49-F238E27FC236}">
-                <a16:creationId xmlns:a16="http://schemas.microsoft.com/office/drawing/2014/main" id="{99AFA44A-5A90-3F9F-5961-360B1242D6C4}"/>
+                <a16:creationId xmlns:a16="http://schemas.microsoft.com/office/drawing/2014/main" id="{7454625C-A526-156F-237F-DF95BD176A0E}"/>
               </a:ext>
             </a:extLst>
           </p:cNvPr>
@@ -14644,7 +14812,7 @@
           <p:cNvPr id="3" name="TextBox 5">
             <a:extLst>
               <a:ext uri="{FF2B5EF4-FFF2-40B4-BE49-F238E27FC236}">
-                <a16:creationId xmlns:a16="http://schemas.microsoft.com/office/drawing/2014/main" id="{1AEEEB95-8B79-0369-05E9-40710CB06C5E}"/>
+                <a16:creationId xmlns:a16="http://schemas.microsoft.com/office/drawing/2014/main" id="{8E2BF49D-20EE-3833-478B-22737ED9DBD2}"/>
               </a:ext>
             </a:extLst>
           </p:cNvPr>
@@ -14691,7 +14859,7 @@
           <p:cNvPr id="6" name="Slide Number Placeholder 5">
             <a:extLst>
               <a:ext uri="{FF2B5EF4-FFF2-40B4-BE49-F238E27FC236}">
-                <a16:creationId xmlns:a16="http://schemas.microsoft.com/office/drawing/2014/main" id="{AB0659B6-138C-767A-5883-607E6E4498F8}"/>
+                <a16:creationId xmlns:a16="http://schemas.microsoft.com/office/drawing/2014/main" id="{E8D3BDC0-6750-32A9-DD70-667628FBBE79}"/>
               </a:ext>
             </a:extLst>
           </p:cNvPr>
@@ -14725,10 +14893,10 @@
       </p:sp>
       <p:pic>
         <p:nvPicPr>
-          <p:cNvPr id="9" name="Picture 8">
-            <a:extLst>
-              <a:ext uri="{FF2B5EF4-FFF2-40B4-BE49-F238E27FC236}">
-                <a16:creationId xmlns:a16="http://schemas.microsoft.com/office/drawing/2014/main" id="{D16EF662-0988-D495-B74A-C257F2239F86}"/>
+          <p:cNvPr id="4" name="Picture 3">
+            <a:extLst>
+              <a:ext uri="{FF2B5EF4-FFF2-40B4-BE49-F238E27FC236}">
+                <a16:creationId xmlns:a16="http://schemas.microsoft.com/office/drawing/2014/main" id="{3D8AF7DD-71F4-9DB2-336D-3A71A8BA3992}"/>
               </a:ext>
             </a:extLst>
           </p:cNvPr>
@@ -14745,149 +14913,18 @@
         </p:blipFill>
         <p:spPr>
           <a:xfrm>
-            <a:off x="1330583" y="1532350"/>
-            <a:ext cx="9296777" cy="4736370"/>
+            <a:off x="819810" y="1025303"/>
+            <a:ext cx="10051390" cy="5262892"/>
           </a:xfrm>
           <a:prstGeom prst="rect">
             <a:avLst/>
           </a:prstGeom>
         </p:spPr>
       </p:pic>
-      <p:sp>
-        <p:nvSpPr>
-          <p:cNvPr id="10" name="TextBox 9">
-            <a:extLst>
-              <a:ext uri="{FF2B5EF4-FFF2-40B4-BE49-F238E27FC236}">
-                <a16:creationId xmlns:a16="http://schemas.microsoft.com/office/drawing/2014/main" id="{5752FCA4-AB2D-670F-EEE9-7521211D0233}"/>
-              </a:ext>
-            </a:extLst>
-          </p:cNvPr>
-          <p:cNvSpPr txBox="1"/>
-          <p:nvPr/>
-        </p:nvSpPr>
-        <p:spPr>
-          <a:xfrm>
-            <a:off x="915827" y="1051378"/>
-            <a:ext cx="2213453" cy="369332"/>
-          </a:xfrm>
-          <a:prstGeom prst="rect">
-            <a:avLst/>
-          </a:prstGeom>
-          <a:noFill/>
-        </p:spPr>
-        <p:txBody>
-          <a:bodyPr wrap="square" rtlCol="0">
-            <a:spAutoFit/>
-          </a:bodyPr>
-          <a:lstStyle>
-            <a:defPPr>
-              <a:defRPr lang="en-US"/>
-            </a:defPPr>
-            <a:lvl1pPr marL="0" algn="l" defTabSz="914400" rtl="0" eaLnBrk="1" latinLnBrk="0" hangingPunct="1">
-              <a:defRPr sz="1800" kern="1200">
-                <a:solidFill>
-                  <a:schemeClr val="tx1"/>
-                </a:solidFill>
-                <a:latin typeface="+mn-lt"/>
-                <a:ea typeface="+mn-ea"/>
-                <a:cs typeface="+mn-cs"/>
-              </a:defRPr>
-            </a:lvl1pPr>
-            <a:lvl2pPr marL="457200" algn="l" defTabSz="914400" rtl="0" eaLnBrk="1" latinLnBrk="0" hangingPunct="1">
-              <a:defRPr sz="1800" kern="1200">
-                <a:solidFill>
-                  <a:schemeClr val="tx1"/>
-                </a:solidFill>
-                <a:latin typeface="+mn-lt"/>
-                <a:ea typeface="+mn-ea"/>
-                <a:cs typeface="+mn-cs"/>
-              </a:defRPr>
-            </a:lvl2pPr>
-            <a:lvl3pPr marL="914400" algn="l" defTabSz="914400" rtl="0" eaLnBrk="1" latinLnBrk="0" hangingPunct="1">
-              <a:defRPr sz="1800" kern="1200">
-                <a:solidFill>
-                  <a:schemeClr val="tx1"/>
-                </a:solidFill>
-                <a:latin typeface="+mn-lt"/>
-                <a:ea typeface="+mn-ea"/>
-                <a:cs typeface="+mn-cs"/>
-              </a:defRPr>
-            </a:lvl3pPr>
-            <a:lvl4pPr marL="1371600" algn="l" defTabSz="914400" rtl="0" eaLnBrk="1" latinLnBrk="0" hangingPunct="1">
-              <a:defRPr sz="1800" kern="1200">
-                <a:solidFill>
-                  <a:schemeClr val="tx1"/>
-                </a:solidFill>
-                <a:latin typeface="+mn-lt"/>
-                <a:ea typeface="+mn-ea"/>
-                <a:cs typeface="+mn-cs"/>
-              </a:defRPr>
-            </a:lvl4pPr>
-            <a:lvl5pPr marL="1828800" algn="l" defTabSz="914400" rtl="0" eaLnBrk="1" latinLnBrk="0" hangingPunct="1">
-              <a:defRPr sz="1800" kern="1200">
-                <a:solidFill>
-                  <a:schemeClr val="tx1"/>
-                </a:solidFill>
-                <a:latin typeface="+mn-lt"/>
-                <a:ea typeface="+mn-ea"/>
-                <a:cs typeface="+mn-cs"/>
-              </a:defRPr>
-            </a:lvl5pPr>
-            <a:lvl6pPr marL="2286000" algn="l" defTabSz="914400" rtl="0" eaLnBrk="1" latinLnBrk="0" hangingPunct="1">
-              <a:defRPr sz="1800" kern="1200">
-                <a:solidFill>
-                  <a:schemeClr val="tx1"/>
-                </a:solidFill>
-                <a:latin typeface="+mn-lt"/>
-                <a:ea typeface="+mn-ea"/>
-                <a:cs typeface="+mn-cs"/>
-              </a:defRPr>
-            </a:lvl6pPr>
-            <a:lvl7pPr marL="2743200" algn="l" defTabSz="914400" rtl="0" eaLnBrk="1" latinLnBrk="0" hangingPunct="1">
-              <a:defRPr sz="1800" kern="1200">
-                <a:solidFill>
-                  <a:schemeClr val="tx1"/>
-                </a:solidFill>
-                <a:latin typeface="+mn-lt"/>
-                <a:ea typeface="+mn-ea"/>
-                <a:cs typeface="+mn-cs"/>
-              </a:defRPr>
-            </a:lvl7pPr>
-            <a:lvl8pPr marL="3200400" algn="l" defTabSz="914400" rtl="0" eaLnBrk="1" latinLnBrk="0" hangingPunct="1">
-              <a:defRPr sz="1800" kern="1200">
-                <a:solidFill>
-                  <a:schemeClr val="tx1"/>
-                </a:solidFill>
-                <a:latin typeface="+mn-lt"/>
-                <a:ea typeface="+mn-ea"/>
-                <a:cs typeface="+mn-cs"/>
-              </a:defRPr>
-            </a:lvl8pPr>
-            <a:lvl9pPr marL="3657600" algn="l" defTabSz="914400" rtl="0" eaLnBrk="1" latinLnBrk="0" hangingPunct="1">
-              <a:defRPr sz="1800" kern="1200">
-                <a:solidFill>
-                  <a:schemeClr val="tx1"/>
-                </a:solidFill>
-                <a:latin typeface="+mn-lt"/>
-                <a:ea typeface="+mn-ea"/>
-                <a:cs typeface="+mn-cs"/>
-              </a:defRPr>
-            </a:lvl9pPr>
-          </a:lstStyle>
-          <a:p>
-            <a:pPr lvl="0"/>
-            <a:r>
-              <a:rPr lang="en-US" dirty="0"/>
-              <a:t>Register Page</a:t>
-            </a:r>
-            <a:endParaRPr lang="en-IN" dirty="0"/>
-          </a:p>
-        </p:txBody>
-      </p:sp>
     </p:spTree>
     <p:extLst>
       <p:ext uri="{BB962C8B-B14F-4D97-AF65-F5344CB8AC3E}">
-        <p14:creationId xmlns:p14="http://schemas.microsoft.com/office/powerpoint/2010/main" val="2851704219"/>
+        <p14:creationId xmlns:p14="http://schemas.microsoft.com/office/powerpoint/2010/main" val="530944145"/>
       </p:ext>
     </p:extLst>
   </p:cSld>
